--- a/2. 팀프로젝트 배포/2.3.CI_CD/CI_CD.pptx
+++ b/2. 팀프로젝트 배포/2.3.CI_CD/CI_CD.pptx
@@ -6,8 +6,7 @@
   </p:sldMasterIdLst>
   <p:sldIdLst>
     <p:sldId id="256" r:id="rId2"/>
-    <p:sldId id="257" r:id="rId3"/>
-    <p:sldId id="258" r:id="rId4"/>
+    <p:sldId id="258" r:id="rId3"/>
   </p:sldIdLst>
   <p:sldSz cx="9144000" cy="6858000" type="screen4x3"/>
   <p:notesSz cx="6858000" cy="9144000"/>
@@ -106,6 +105,22 @@
       </a:defRPr>
     </a:lvl9pPr>
   </p:defaultTextStyle>
+  <p:extLst>
+    <p:ext uri="{EFAFB233-063F-42B5-8137-9DF3F51BA10A}">
+      <p15:sldGuideLst xmlns:p15="http://schemas.microsoft.com/office/powerpoint/2012/main">
+        <p15:guide id="1" orient="horz" pos="2160">
+          <p15:clr>
+            <a:srgbClr val="A4A3A4"/>
+          </p15:clr>
+        </p15:guide>
+        <p15:guide id="2" pos="2880">
+          <p15:clr>
+            <a:srgbClr val="A4A3A4"/>
+          </p15:clr>
+        </p15:guide>
+      </p15:sldGuideLst>
+    </p:ext>
+  </p:extLst>
 </p:presentation>
 </file>
 
@@ -291,7 +306,7 @@
             <a:fld id="{2507A560-5431-4D67-A70E-F61FB3F9DA0A}" type="datetimeFigureOut">
               <a:rPr lang="ko-KR" altLang="en-US" smtClean="0"/>
               <a:pPr/>
-              <a:t>2019-12-03</a:t>
+              <a:t>2023-11-23</a:t>
             </a:fld>
             <a:endParaRPr lang="ko-KR" altLang="en-US"/>
           </a:p>
@@ -458,7 +473,7 @@
             <a:fld id="{2507A560-5431-4D67-A70E-F61FB3F9DA0A}" type="datetimeFigureOut">
               <a:rPr lang="ko-KR" altLang="en-US" smtClean="0"/>
               <a:pPr/>
-              <a:t>2019-12-03</a:t>
+              <a:t>2023-11-23</a:t>
             </a:fld>
             <a:endParaRPr lang="ko-KR" altLang="en-US"/>
           </a:p>
@@ -635,7 +650,7 @@
             <a:fld id="{2507A560-5431-4D67-A70E-F61FB3F9DA0A}" type="datetimeFigureOut">
               <a:rPr lang="ko-KR" altLang="en-US" smtClean="0"/>
               <a:pPr/>
-              <a:t>2019-12-03</a:t>
+              <a:t>2023-11-23</a:t>
             </a:fld>
             <a:endParaRPr lang="ko-KR" altLang="en-US"/>
           </a:p>
@@ -802,7 +817,7 @@
             <a:fld id="{2507A560-5431-4D67-A70E-F61FB3F9DA0A}" type="datetimeFigureOut">
               <a:rPr lang="ko-KR" altLang="en-US" smtClean="0"/>
               <a:pPr/>
-              <a:t>2019-12-03</a:t>
+              <a:t>2023-11-23</a:t>
             </a:fld>
             <a:endParaRPr lang="ko-KR" altLang="en-US"/>
           </a:p>
@@ -1045,7 +1060,7 @@
             <a:fld id="{2507A560-5431-4D67-A70E-F61FB3F9DA0A}" type="datetimeFigureOut">
               <a:rPr lang="ko-KR" altLang="en-US" smtClean="0"/>
               <a:pPr/>
-              <a:t>2019-12-03</a:t>
+              <a:t>2023-11-23</a:t>
             </a:fld>
             <a:endParaRPr lang="ko-KR" altLang="en-US"/>
           </a:p>
@@ -1330,7 +1345,7 @@
             <a:fld id="{2507A560-5431-4D67-A70E-F61FB3F9DA0A}" type="datetimeFigureOut">
               <a:rPr lang="ko-KR" altLang="en-US" smtClean="0"/>
               <a:pPr/>
-              <a:t>2019-12-03</a:t>
+              <a:t>2023-11-23</a:t>
             </a:fld>
             <a:endParaRPr lang="ko-KR" altLang="en-US"/>
           </a:p>
@@ -1749,7 +1764,7 @@
             <a:fld id="{2507A560-5431-4D67-A70E-F61FB3F9DA0A}" type="datetimeFigureOut">
               <a:rPr lang="ko-KR" altLang="en-US" smtClean="0"/>
               <a:pPr/>
-              <a:t>2019-12-03</a:t>
+              <a:t>2023-11-23</a:t>
             </a:fld>
             <a:endParaRPr lang="ko-KR" altLang="en-US"/>
           </a:p>
@@ -1864,7 +1879,7 @@
             <a:fld id="{2507A560-5431-4D67-A70E-F61FB3F9DA0A}" type="datetimeFigureOut">
               <a:rPr lang="ko-KR" altLang="en-US" smtClean="0"/>
               <a:pPr/>
-              <a:t>2019-12-03</a:t>
+              <a:t>2023-11-23</a:t>
             </a:fld>
             <a:endParaRPr lang="ko-KR" altLang="en-US"/>
           </a:p>
@@ -1956,7 +1971,7 @@
             <a:fld id="{2507A560-5431-4D67-A70E-F61FB3F9DA0A}" type="datetimeFigureOut">
               <a:rPr lang="ko-KR" altLang="en-US" smtClean="0"/>
               <a:pPr/>
-              <a:t>2019-12-03</a:t>
+              <a:t>2023-11-23</a:t>
             </a:fld>
             <a:endParaRPr lang="ko-KR" altLang="en-US"/>
           </a:p>
@@ -2230,7 +2245,7 @@
             <a:fld id="{2507A560-5431-4D67-A70E-F61FB3F9DA0A}" type="datetimeFigureOut">
               <a:rPr lang="ko-KR" altLang="en-US" smtClean="0"/>
               <a:pPr/>
-              <a:t>2019-12-03</a:t>
+              <a:t>2023-11-23</a:t>
             </a:fld>
             <a:endParaRPr lang="ko-KR" altLang="en-US"/>
           </a:p>
@@ -2480,7 +2495,7 @@
             <a:fld id="{2507A560-5431-4D67-A70E-F61FB3F9DA0A}" type="datetimeFigureOut">
               <a:rPr lang="ko-KR" altLang="en-US" smtClean="0"/>
               <a:pPr/>
-              <a:t>2019-12-03</a:t>
+              <a:t>2023-11-23</a:t>
             </a:fld>
             <a:endParaRPr lang="ko-KR" altLang="en-US"/>
           </a:p>
@@ -2690,7 +2705,7 @@
             <a:fld id="{2507A560-5431-4D67-A70E-F61FB3F9DA0A}" type="datetimeFigureOut">
               <a:rPr lang="ko-KR" altLang="en-US" smtClean="0"/>
               <a:pPr/>
-              <a:t>2019-12-03</a:t>
+              <a:t>2023-11-23</a:t>
             </a:fld>
             <a:endParaRPr lang="ko-KR" altLang="en-US"/>
           </a:p>
@@ -3136,11 +3151,7 @@
             </a:r>
             <a:r>
               <a:rPr lang="en-US" altLang="ko-KR" dirty="0" smtClean="0"/>
-              <a:t> </a:t>
-            </a:r>
-            <a:r>
-              <a:rPr lang="en-US" altLang="ko-KR" dirty="0" smtClean="0"/>
-              <a:t>ec2, </a:t>
+              <a:t> ec2, </a:t>
             </a:r>
             <a:r>
               <a:rPr lang="en-US" altLang="ko-KR" dirty="0" err="1" smtClean="0"/>
@@ -3198,1027 +3209,6 @@
           <a:lstStyle/>
           <a:p>
             <a:r>
-              <a:rPr lang="en-US" altLang="ko-KR" sz="3200" dirty="0" smtClean="0"/>
-              <a:t>Jenkins CI/CD </a:t>
-            </a:r>
-            <a:r>
-              <a:rPr lang="ko-KR" altLang="en-US" sz="3200" dirty="0" smtClean="0"/>
-              <a:t>구성도 예</a:t>
-            </a:r>
-            <a:endParaRPr lang="ko-KR" altLang="en-US" sz="3200" dirty="0"/>
-          </a:p>
-        </p:txBody>
-      </p:sp>
-      <p:pic>
-        <p:nvPicPr>
-          <p:cNvPr id="1026" name="Picture 2" descr="C:\Program Files (x86)\Microsoft Office\MEDIA\CAGCAT10\j0292020.wmf"/>
-          <p:cNvPicPr>
-            <a:picLocks noChangeAspect="1" noChangeArrowheads="1"/>
-          </p:cNvPicPr>
-          <p:nvPr/>
-        </p:nvPicPr>
-        <p:blipFill>
-          <a:blip r:embed="rId2"/>
-          <a:srcRect/>
-          <a:stretch>
-            <a:fillRect/>
-          </a:stretch>
-        </p:blipFill>
-        <p:spPr bwMode="auto">
-          <a:xfrm>
-            <a:off x="928662" y="4643446"/>
-            <a:ext cx="785818" cy="745835"/>
-          </a:xfrm>
-          <a:prstGeom prst="rect">
-            <a:avLst/>
-          </a:prstGeom>
-          <a:noFill/>
-        </p:spPr>
-      </p:pic>
-      <p:sp>
-        <p:nvSpPr>
-          <p:cNvPr id="1028" name="AutoShape 4" descr="github 이미지 검색결과"/>
-          <p:cNvSpPr>
-            <a:spLocks noChangeAspect="1" noChangeArrowheads="1"/>
-          </p:cNvSpPr>
-          <p:nvPr/>
-        </p:nvSpPr>
-        <p:spPr bwMode="auto">
-          <a:xfrm>
-            <a:off x="168275" y="-144463"/>
-            <a:ext cx="304800" cy="304801"/>
-          </a:xfrm>
-          <a:prstGeom prst="rect">
-            <a:avLst/>
-          </a:prstGeom>
-          <a:noFill/>
-        </p:spPr>
-        <p:txBody>
-          <a:bodyPr vert="horz" wrap="square" lIns="91440" tIns="45720" rIns="91440" bIns="45720" numCol="1" anchor="t" anchorCtr="0" compatLnSpc="1">
-            <a:prstTxWarp prst="textNoShape">
-              <a:avLst/>
-            </a:prstTxWarp>
-          </a:bodyPr>
-          <a:lstStyle/>
-          <a:p>
-            <a:endParaRPr lang="ko-KR" altLang="en-US"/>
-          </a:p>
-        </p:txBody>
-      </p:sp>
-      <p:sp>
-        <p:nvSpPr>
-          <p:cNvPr id="1030" name="AutoShape 6" descr="github 이미지 검색결과"/>
-          <p:cNvSpPr>
-            <a:spLocks noChangeAspect="1" noChangeArrowheads="1"/>
-          </p:cNvSpPr>
-          <p:nvPr/>
-        </p:nvSpPr>
-        <p:spPr bwMode="auto">
-          <a:xfrm>
-            <a:off x="168275" y="-144463"/>
-            <a:ext cx="304800" cy="304801"/>
-          </a:xfrm>
-          <a:prstGeom prst="rect">
-            <a:avLst/>
-          </a:prstGeom>
-          <a:noFill/>
-        </p:spPr>
-        <p:txBody>
-          <a:bodyPr vert="horz" wrap="square" lIns="91440" tIns="45720" rIns="91440" bIns="45720" numCol="1" anchor="t" anchorCtr="0" compatLnSpc="1">
-            <a:prstTxWarp prst="textNoShape">
-              <a:avLst/>
-            </a:prstTxWarp>
-          </a:bodyPr>
-          <a:lstStyle/>
-          <a:p>
-            <a:endParaRPr lang="ko-KR" altLang="en-US"/>
-          </a:p>
-        </p:txBody>
-      </p:sp>
-      <p:sp>
-        <p:nvSpPr>
-          <p:cNvPr id="1032" name="AutoShape 8" descr="github 이미지 검색결과"/>
-          <p:cNvSpPr>
-            <a:spLocks noChangeAspect="1" noChangeArrowheads="1"/>
-          </p:cNvSpPr>
-          <p:nvPr/>
-        </p:nvSpPr>
-        <p:spPr bwMode="auto">
-          <a:xfrm>
-            <a:off x="168275" y="-144463"/>
-            <a:ext cx="304800" cy="304801"/>
-          </a:xfrm>
-          <a:prstGeom prst="rect">
-            <a:avLst/>
-          </a:prstGeom>
-          <a:noFill/>
-        </p:spPr>
-        <p:txBody>
-          <a:bodyPr vert="horz" wrap="square" lIns="91440" tIns="45720" rIns="91440" bIns="45720" numCol="1" anchor="t" anchorCtr="0" compatLnSpc="1">
-            <a:prstTxWarp prst="textNoShape">
-              <a:avLst/>
-            </a:prstTxWarp>
-          </a:bodyPr>
-          <a:lstStyle/>
-          <a:p>
-            <a:endParaRPr lang="ko-KR" altLang="en-US"/>
-          </a:p>
-        </p:txBody>
-      </p:sp>
-      <p:pic>
-        <p:nvPicPr>
-          <p:cNvPr id="1046" name="Picture 22" descr="gradle png 이미지 검색결과&quot;"/>
-          <p:cNvPicPr>
-            <a:picLocks noChangeAspect="1" noChangeArrowheads="1"/>
-          </p:cNvPicPr>
-          <p:nvPr/>
-        </p:nvPicPr>
-        <p:blipFill>
-          <a:blip r:embed="rId3" cstate="print"/>
-          <a:srcRect/>
-          <a:stretch>
-            <a:fillRect/>
-          </a:stretch>
-        </p:blipFill>
-        <p:spPr bwMode="auto">
-          <a:xfrm>
-            <a:off x="3500430" y="3500438"/>
-            <a:ext cx="1404894" cy="1053671"/>
-          </a:xfrm>
-          <a:prstGeom prst="rect">
-            <a:avLst/>
-          </a:prstGeom>
-          <a:noFill/>
-        </p:spPr>
-      </p:pic>
-      <p:grpSp>
-        <p:nvGrpSpPr>
-          <p:cNvPr id="37" name="그룹 36"/>
-          <p:cNvGrpSpPr/>
-          <p:nvPr/>
-        </p:nvGrpSpPr>
-        <p:grpSpPr>
-          <a:xfrm>
-            <a:off x="6357950" y="2214554"/>
-            <a:ext cx="2068572" cy="2023461"/>
-            <a:chOff x="6072198" y="2214554"/>
-            <a:chExt cx="2068572" cy="2023461"/>
-          </a:xfrm>
-        </p:grpSpPr>
-        <p:pic>
-          <p:nvPicPr>
-            <p:cNvPr id="15" name="Picture 14" descr="aws ec2 png 이미지 검색결과&quot;"/>
-            <p:cNvPicPr>
-              <a:picLocks noChangeAspect="1" noChangeArrowheads="1"/>
-            </p:cNvPicPr>
-            <p:nvPr/>
-          </p:nvPicPr>
-          <p:blipFill>
-            <a:blip r:embed="rId4"/>
-            <a:srcRect/>
-            <a:stretch>
-              <a:fillRect/>
-            </a:stretch>
-          </p:blipFill>
-          <p:spPr bwMode="auto">
-            <a:xfrm>
-              <a:off x="6072198" y="2214554"/>
-              <a:ext cx="2068572" cy="1321588"/>
-            </a:xfrm>
-            <a:prstGeom prst="rect">
-              <a:avLst/>
-            </a:prstGeom>
-            <a:noFill/>
-          </p:spPr>
-        </p:pic>
-        <p:pic>
-          <p:nvPicPr>
-            <p:cNvPr id="1048" name="Picture 24" descr="spring boot png 이미지 검색결과&quot;"/>
-            <p:cNvPicPr>
-              <a:picLocks noChangeAspect="1" noChangeArrowheads="1"/>
-            </p:cNvPicPr>
-            <p:nvPr/>
-          </p:nvPicPr>
-          <p:blipFill>
-            <a:blip r:embed="rId5"/>
-            <a:srcRect/>
-            <a:stretch>
-              <a:fillRect/>
-            </a:stretch>
-          </p:blipFill>
-          <p:spPr bwMode="auto">
-            <a:xfrm>
-              <a:off x="6572264" y="3643314"/>
-              <a:ext cx="1132764" cy="594701"/>
-            </a:xfrm>
-            <a:prstGeom prst="rect">
-              <a:avLst/>
-            </a:prstGeom>
-            <a:noFill/>
-          </p:spPr>
-        </p:pic>
-      </p:grpSp>
-      <p:pic>
-        <p:nvPicPr>
-          <p:cNvPr id="1050" name="Picture 26" descr="ssh png 이미지 검색결과&quot;"/>
-          <p:cNvPicPr>
-            <a:picLocks noChangeAspect="1" noChangeArrowheads="1"/>
-          </p:cNvPicPr>
-          <p:nvPr/>
-        </p:nvPicPr>
-        <p:blipFill>
-          <a:blip r:embed="rId6" cstate="print"/>
-          <a:srcRect/>
-          <a:stretch>
-            <a:fillRect/>
-          </a:stretch>
-        </p:blipFill>
-        <p:spPr bwMode="auto">
-          <a:xfrm>
-            <a:off x="3571868" y="4786322"/>
-            <a:ext cx="1138168" cy="533822"/>
-          </a:xfrm>
-          <a:prstGeom prst="rect">
-            <a:avLst/>
-          </a:prstGeom>
-          <a:noFill/>
-        </p:spPr>
-      </p:pic>
-      <p:sp>
-        <p:nvSpPr>
-          <p:cNvPr id="18" name="TextBox 17"/>
-          <p:cNvSpPr txBox="1"/>
-          <p:nvPr/>
-        </p:nvSpPr>
-        <p:spPr>
-          <a:xfrm>
-            <a:off x="714348" y="1571612"/>
-            <a:ext cx="1271502" cy="369332"/>
-          </a:xfrm>
-          <a:prstGeom prst="rect">
-            <a:avLst/>
-          </a:prstGeom>
-          <a:noFill/>
-        </p:spPr>
-        <p:txBody>
-          <a:bodyPr wrap="none" rtlCol="0">
-            <a:spAutoFit/>
-          </a:bodyPr>
-          <a:lstStyle/>
-          <a:p>
-            <a:r>
-              <a:rPr lang="ko-KR" altLang="en-US" dirty="0" smtClean="0"/>
-              <a:t>소스 </a:t>
-            </a:r>
-            <a:r>
-              <a:rPr lang="ko-KR" altLang="en-US" dirty="0" smtClean="0"/>
-              <a:t>관리 </a:t>
-            </a:r>
-            <a:endParaRPr lang="en-US" altLang="ko-KR" dirty="0" smtClean="0"/>
-          </a:p>
-        </p:txBody>
-      </p:sp>
-      <p:sp>
-        <p:nvSpPr>
-          <p:cNvPr id="19" name="TextBox 18"/>
-          <p:cNvSpPr txBox="1"/>
-          <p:nvPr/>
-        </p:nvSpPr>
-        <p:spPr>
-          <a:xfrm>
-            <a:off x="3714744" y="1500174"/>
-            <a:ext cx="1199367" cy="369332"/>
-          </a:xfrm>
-          <a:prstGeom prst="rect">
-            <a:avLst/>
-          </a:prstGeom>
-          <a:noFill/>
-        </p:spPr>
-        <p:txBody>
-          <a:bodyPr wrap="none" rtlCol="0">
-            <a:spAutoFit/>
-          </a:bodyPr>
-          <a:lstStyle/>
-          <a:p>
-            <a:r>
-              <a:rPr lang="ko-KR" altLang="en-US" dirty="0" err="1" smtClean="0"/>
-              <a:t>빌드</a:t>
-            </a:r>
-            <a:r>
-              <a:rPr lang="en-US" altLang="ko-KR" dirty="0" smtClean="0"/>
-              <a:t>/</a:t>
-            </a:r>
-            <a:r>
-              <a:rPr lang="ko-KR" altLang="en-US" dirty="0" smtClean="0"/>
-              <a:t>배포</a:t>
-            </a:r>
-            <a:endParaRPr lang="ko-KR" altLang="en-US" dirty="0"/>
-          </a:p>
-        </p:txBody>
-      </p:sp>
-      <p:sp>
-        <p:nvSpPr>
-          <p:cNvPr id="20" name="TextBox 19"/>
-          <p:cNvSpPr txBox="1"/>
-          <p:nvPr/>
-        </p:nvSpPr>
-        <p:spPr>
-          <a:xfrm>
-            <a:off x="6858016" y="1500174"/>
-            <a:ext cx="1420582" cy="369332"/>
-          </a:xfrm>
-          <a:prstGeom prst="rect">
-            <a:avLst/>
-          </a:prstGeom>
-          <a:noFill/>
-        </p:spPr>
-        <p:txBody>
-          <a:bodyPr wrap="none" rtlCol="0">
-            <a:spAutoFit/>
-          </a:bodyPr>
-          <a:lstStyle/>
-          <a:p>
-            <a:r>
-              <a:rPr lang="ko-KR" altLang="en-US" dirty="0" smtClean="0"/>
-              <a:t>서비스 실행</a:t>
-            </a:r>
-            <a:endParaRPr lang="ko-KR" altLang="en-US" dirty="0"/>
-          </a:p>
-        </p:txBody>
-      </p:sp>
-      <p:grpSp>
-        <p:nvGrpSpPr>
-          <p:cNvPr id="22" name="그룹 21"/>
-          <p:cNvGrpSpPr/>
-          <p:nvPr/>
-        </p:nvGrpSpPr>
-        <p:grpSpPr>
-          <a:xfrm>
-            <a:off x="857224" y="2285992"/>
-            <a:ext cx="886781" cy="1083712"/>
-            <a:chOff x="1214414" y="2285992"/>
-            <a:chExt cx="886781" cy="1083712"/>
-          </a:xfrm>
-        </p:grpSpPr>
-        <p:pic>
-          <p:nvPicPr>
-            <p:cNvPr id="1034" name="Picture 10" descr="github 이미지 검색결과&quot;"/>
-            <p:cNvPicPr>
-              <a:picLocks noChangeAspect="1" noChangeArrowheads="1"/>
-            </p:cNvPicPr>
-            <p:nvPr/>
-          </p:nvPicPr>
-          <p:blipFill>
-            <a:blip r:embed="rId7" cstate="print"/>
-            <a:srcRect/>
-            <a:stretch>
-              <a:fillRect/>
-            </a:stretch>
-          </p:blipFill>
-          <p:spPr bwMode="auto">
-            <a:xfrm>
-              <a:off x="1357290" y="2285992"/>
-              <a:ext cx="671496" cy="671496"/>
-            </a:xfrm>
-            <a:prstGeom prst="rect">
-              <a:avLst/>
-            </a:prstGeom>
-            <a:noFill/>
-          </p:spPr>
-        </p:pic>
-        <p:sp>
-          <p:nvSpPr>
-            <p:cNvPr id="21" name="직사각형 20"/>
-            <p:cNvSpPr/>
-            <p:nvPr/>
-          </p:nvSpPr>
-          <p:spPr>
-            <a:xfrm>
-              <a:off x="1214414" y="3000372"/>
-              <a:ext cx="886781" cy="369332"/>
-            </a:xfrm>
-            <a:prstGeom prst="rect">
-              <a:avLst/>
-            </a:prstGeom>
-          </p:spPr>
-          <p:txBody>
-            <a:bodyPr wrap="none">
-              <a:spAutoFit/>
-            </a:bodyPr>
-            <a:lstStyle/>
-            <a:p>
-              <a:r>
-                <a:rPr lang="en-US" altLang="ko-KR" dirty="0" err="1" smtClean="0"/>
-                <a:t>Github</a:t>
-              </a:r>
-              <a:endParaRPr lang="ko-KR" altLang="en-US" dirty="0"/>
-            </a:p>
-          </p:txBody>
-        </p:sp>
-      </p:grpSp>
-      <p:pic>
-        <p:nvPicPr>
-          <p:cNvPr id="1052" name="Picture 28" descr="ssh png 이미지 검색결과&quot;"/>
-          <p:cNvPicPr>
-            <a:picLocks noChangeAspect="1" noChangeArrowheads="1"/>
-          </p:cNvPicPr>
-          <p:nvPr/>
-        </p:nvPicPr>
-        <p:blipFill>
-          <a:blip r:embed="rId8" cstate="print"/>
-          <a:srcRect/>
-          <a:stretch>
-            <a:fillRect/>
-          </a:stretch>
-        </p:blipFill>
-        <p:spPr bwMode="auto">
-          <a:xfrm>
-            <a:off x="7143768" y="4714884"/>
-            <a:ext cx="571472" cy="571472"/>
-          </a:xfrm>
-          <a:prstGeom prst="rect">
-            <a:avLst/>
-          </a:prstGeom>
-          <a:noFill/>
-        </p:spPr>
-      </p:pic>
-      <p:cxnSp>
-        <p:nvCxnSpPr>
-          <p:cNvPr id="25" name="직선 화살표 연결선 24"/>
-          <p:cNvCxnSpPr/>
-          <p:nvPr/>
-        </p:nvCxnSpPr>
-        <p:spPr>
-          <a:xfrm rot="5400000" flipH="1" flipV="1">
-            <a:off x="857224" y="4000504"/>
-            <a:ext cx="857256" cy="1588"/>
-          </a:xfrm>
-          <a:prstGeom prst="straightConnector1">
-            <a:avLst/>
-          </a:prstGeom>
-          <a:ln>
-            <a:tailEnd type="arrow"/>
-          </a:ln>
-        </p:spPr>
-        <p:style>
-          <a:lnRef idx="1">
-            <a:schemeClr val="accent1"/>
-          </a:lnRef>
-          <a:fillRef idx="0">
-            <a:schemeClr val="accent1"/>
-          </a:fillRef>
-          <a:effectRef idx="0">
-            <a:schemeClr val="accent1"/>
-          </a:effectRef>
-          <a:fontRef idx="minor">
-            <a:schemeClr val="tx1"/>
-          </a:fontRef>
-        </p:style>
-      </p:cxnSp>
-      <p:sp>
-        <p:nvSpPr>
-          <p:cNvPr id="27" name="TextBox 26"/>
-          <p:cNvSpPr txBox="1"/>
-          <p:nvPr/>
-        </p:nvSpPr>
-        <p:spPr>
-          <a:xfrm>
-            <a:off x="1428728" y="3857628"/>
-            <a:ext cx="688009" cy="369332"/>
-          </a:xfrm>
-          <a:prstGeom prst="rect">
-            <a:avLst/>
-          </a:prstGeom>
-          <a:noFill/>
-        </p:spPr>
-        <p:txBody>
-          <a:bodyPr wrap="none" rtlCol="0">
-            <a:spAutoFit/>
-          </a:bodyPr>
-          <a:lstStyle/>
-          <a:p>
-            <a:r>
-              <a:rPr lang="en-US" altLang="ko-KR" dirty="0" smtClean="0"/>
-              <a:t>push</a:t>
-            </a:r>
-            <a:endParaRPr lang="ko-KR" altLang="en-US" dirty="0"/>
-          </a:p>
-        </p:txBody>
-      </p:sp>
-      <p:cxnSp>
-        <p:nvCxnSpPr>
-          <p:cNvPr id="29" name="직선 연결선 28"/>
-          <p:cNvCxnSpPr/>
-          <p:nvPr/>
-        </p:nvCxnSpPr>
-        <p:spPr>
-          <a:xfrm rot="5400000">
-            <a:off x="713554" y="3714752"/>
-            <a:ext cx="4715702" cy="794"/>
-          </a:xfrm>
-          <a:prstGeom prst="line">
-            <a:avLst/>
-          </a:prstGeom>
-          <a:ln>
-            <a:solidFill>
-              <a:schemeClr val="tx1"/>
-            </a:solidFill>
-          </a:ln>
-        </p:spPr>
-        <p:style>
-          <a:lnRef idx="1">
-            <a:schemeClr val="accent1"/>
-          </a:lnRef>
-          <a:fillRef idx="0">
-            <a:schemeClr val="accent1"/>
-          </a:fillRef>
-          <a:effectRef idx="0">
-            <a:schemeClr val="accent1"/>
-          </a:effectRef>
-          <a:fontRef idx="minor">
-            <a:schemeClr val="tx1"/>
-          </a:fontRef>
-        </p:style>
-      </p:cxnSp>
-      <p:cxnSp>
-        <p:nvCxnSpPr>
-          <p:cNvPr id="31" name="직선 연결선 30"/>
-          <p:cNvCxnSpPr/>
-          <p:nvPr/>
-        </p:nvCxnSpPr>
-        <p:spPr>
-          <a:xfrm rot="5400000">
-            <a:off x="3500430" y="3714752"/>
-            <a:ext cx="4715702" cy="794"/>
-          </a:xfrm>
-          <a:prstGeom prst="line">
-            <a:avLst/>
-          </a:prstGeom>
-          <a:ln>
-            <a:solidFill>
-              <a:schemeClr val="tx1"/>
-            </a:solidFill>
-          </a:ln>
-        </p:spPr>
-        <p:style>
-          <a:lnRef idx="1">
-            <a:schemeClr val="accent1"/>
-          </a:lnRef>
-          <a:fillRef idx="0">
-            <a:schemeClr val="accent1"/>
-          </a:fillRef>
-          <a:effectRef idx="0">
-            <a:schemeClr val="accent1"/>
-          </a:effectRef>
-          <a:fontRef idx="minor">
-            <a:schemeClr val="tx1"/>
-          </a:fontRef>
-        </p:style>
-      </p:cxnSp>
-      <p:cxnSp>
-        <p:nvCxnSpPr>
-          <p:cNvPr id="32" name="직선 화살표 연결선 31"/>
-          <p:cNvCxnSpPr/>
-          <p:nvPr/>
-        </p:nvCxnSpPr>
-        <p:spPr>
-          <a:xfrm>
-            <a:off x="1857356" y="2714620"/>
-            <a:ext cx="1571636" cy="1588"/>
-          </a:xfrm>
-          <a:prstGeom prst="straightConnector1">
-            <a:avLst/>
-          </a:prstGeom>
-          <a:ln>
-            <a:tailEnd type="arrow"/>
-          </a:ln>
-        </p:spPr>
-        <p:style>
-          <a:lnRef idx="1">
-            <a:schemeClr val="accent1"/>
-          </a:lnRef>
-          <a:fillRef idx="0">
-            <a:schemeClr val="accent1"/>
-          </a:fillRef>
-          <a:effectRef idx="0">
-            <a:schemeClr val="accent1"/>
-          </a:effectRef>
-          <a:fontRef idx="minor">
-            <a:schemeClr val="tx1"/>
-          </a:fontRef>
-        </p:style>
-      </p:cxnSp>
-      <p:sp>
-        <p:nvSpPr>
-          <p:cNvPr id="38" name="TextBox 37"/>
-          <p:cNvSpPr txBox="1"/>
-          <p:nvPr/>
-        </p:nvSpPr>
-        <p:spPr>
-          <a:xfrm>
-            <a:off x="1857356" y="2214554"/>
-            <a:ext cx="1140440" cy="369332"/>
-          </a:xfrm>
-          <a:prstGeom prst="rect">
-            <a:avLst/>
-          </a:prstGeom>
-          <a:noFill/>
-        </p:spPr>
-        <p:txBody>
-          <a:bodyPr wrap="none" rtlCol="0">
-            <a:spAutoFit/>
-          </a:bodyPr>
-          <a:lstStyle/>
-          <a:p>
-            <a:r>
-              <a:rPr lang="en-US" altLang="ko-KR" dirty="0" err="1" smtClean="0"/>
-              <a:t>webhook</a:t>
-            </a:r>
-            <a:endParaRPr lang="ko-KR" altLang="en-US" dirty="0"/>
-          </a:p>
-        </p:txBody>
-      </p:sp>
-      <p:sp>
-        <p:nvSpPr>
-          <p:cNvPr id="40" name="TextBox 39"/>
-          <p:cNvSpPr txBox="1"/>
-          <p:nvPr/>
-        </p:nvSpPr>
-        <p:spPr>
-          <a:xfrm>
-            <a:off x="4786314" y="3857628"/>
-            <a:ext cx="1047082" cy="369332"/>
-          </a:xfrm>
-          <a:prstGeom prst="rect">
-            <a:avLst/>
-          </a:prstGeom>
-          <a:noFill/>
-        </p:spPr>
-        <p:txBody>
-          <a:bodyPr wrap="none" rtlCol="0">
-            <a:spAutoFit/>
-          </a:bodyPr>
-          <a:lstStyle/>
-          <a:p>
-            <a:r>
-              <a:rPr lang="en-US" altLang="ko-KR" dirty="0" smtClean="0"/>
-              <a:t>build jar</a:t>
-            </a:r>
-            <a:endParaRPr lang="ko-KR" altLang="en-US" dirty="0"/>
-          </a:p>
-        </p:txBody>
-      </p:sp>
-      <p:cxnSp>
-        <p:nvCxnSpPr>
-          <p:cNvPr id="41" name="직선 화살표 연결선 40"/>
-          <p:cNvCxnSpPr/>
-          <p:nvPr/>
-        </p:nvCxnSpPr>
-        <p:spPr>
-          <a:xfrm rot="5400000">
-            <a:off x="3965174" y="3607199"/>
-            <a:ext cx="357191" cy="794"/>
-          </a:xfrm>
-          <a:prstGeom prst="straightConnector1">
-            <a:avLst/>
-          </a:prstGeom>
-          <a:ln>
-            <a:tailEnd type="arrow"/>
-          </a:ln>
-        </p:spPr>
-        <p:style>
-          <a:lnRef idx="1">
-            <a:schemeClr val="accent1"/>
-          </a:lnRef>
-          <a:fillRef idx="0">
-            <a:schemeClr val="accent1"/>
-          </a:fillRef>
-          <a:effectRef idx="0">
-            <a:schemeClr val="accent1"/>
-          </a:effectRef>
-          <a:fontRef idx="minor">
-            <a:schemeClr val="tx1"/>
-          </a:fontRef>
-        </p:style>
-      </p:cxnSp>
-      <p:cxnSp>
-        <p:nvCxnSpPr>
-          <p:cNvPr id="50" name="직선 화살표 연결선 49"/>
-          <p:cNvCxnSpPr/>
-          <p:nvPr/>
-        </p:nvCxnSpPr>
-        <p:spPr>
-          <a:xfrm rot="5400000">
-            <a:off x="3929058" y="4500570"/>
-            <a:ext cx="428628" cy="1588"/>
-          </a:xfrm>
-          <a:prstGeom prst="straightConnector1">
-            <a:avLst/>
-          </a:prstGeom>
-          <a:ln>
-            <a:tailEnd type="arrow"/>
-          </a:ln>
-        </p:spPr>
-        <p:style>
-          <a:lnRef idx="1">
-            <a:schemeClr val="accent1"/>
-          </a:lnRef>
-          <a:fillRef idx="0">
-            <a:schemeClr val="accent1"/>
-          </a:fillRef>
-          <a:effectRef idx="0">
-            <a:schemeClr val="accent1"/>
-          </a:effectRef>
-          <a:fontRef idx="minor">
-            <a:schemeClr val="tx1"/>
-          </a:fontRef>
-        </p:style>
-      </p:cxnSp>
-      <p:cxnSp>
-        <p:nvCxnSpPr>
-          <p:cNvPr id="57" name="직선 화살표 연결선 56"/>
-          <p:cNvCxnSpPr/>
-          <p:nvPr/>
-        </p:nvCxnSpPr>
-        <p:spPr>
-          <a:xfrm>
-            <a:off x="4714876" y="5072074"/>
-            <a:ext cx="2214578" cy="1588"/>
-          </a:xfrm>
-          <a:prstGeom prst="straightConnector1">
-            <a:avLst/>
-          </a:prstGeom>
-          <a:ln>
-            <a:tailEnd type="arrow"/>
-          </a:ln>
-        </p:spPr>
-        <p:style>
-          <a:lnRef idx="1">
-            <a:schemeClr val="accent1"/>
-          </a:lnRef>
-          <a:fillRef idx="0">
-            <a:schemeClr val="accent1"/>
-          </a:fillRef>
-          <a:effectRef idx="0">
-            <a:schemeClr val="accent1"/>
-          </a:effectRef>
-          <a:fontRef idx="minor">
-            <a:schemeClr val="tx1"/>
-          </a:fontRef>
-        </p:style>
-      </p:cxnSp>
-      <p:sp>
-        <p:nvSpPr>
-          <p:cNvPr id="59" name="TextBox 58"/>
-          <p:cNvSpPr txBox="1"/>
-          <p:nvPr/>
-        </p:nvSpPr>
-        <p:spPr>
-          <a:xfrm>
-            <a:off x="4643438" y="4643446"/>
-            <a:ext cx="1277914" cy="369332"/>
-          </a:xfrm>
-          <a:prstGeom prst="rect">
-            <a:avLst/>
-          </a:prstGeom>
-          <a:noFill/>
-        </p:spPr>
-        <p:txBody>
-          <a:bodyPr wrap="none" rtlCol="0">
-            <a:spAutoFit/>
-          </a:bodyPr>
-          <a:lstStyle/>
-          <a:p>
-            <a:r>
-              <a:rPr lang="en-US" altLang="ko-KR" dirty="0" smtClean="0"/>
-              <a:t>publish jar</a:t>
-            </a:r>
-            <a:endParaRPr lang="en-US" altLang="ko-KR" dirty="0" smtClean="0"/>
-          </a:p>
-        </p:txBody>
-      </p:sp>
-      <p:cxnSp>
-        <p:nvCxnSpPr>
-          <p:cNvPr id="60" name="직선 화살표 연결선 59"/>
-          <p:cNvCxnSpPr/>
-          <p:nvPr/>
-        </p:nvCxnSpPr>
-        <p:spPr>
-          <a:xfrm rot="16200000" flipV="1">
-            <a:off x="7143769" y="4500570"/>
-            <a:ext cx="571505" cy="1"/>
-          </a:xfrm>
-          <a:prstGeom prst="straightConnector1">
-            <a:avLst/>
-          </a:prstGeom>
-          <a:ln>
-            <a:tailEnd type="arrow"/>
-          </a:ln>
-        </p:spPr>
-        <p:style>
-          <a:lnRef idx="1">
-            <a:schemeClr val="accent1"/>
-          </a:lnRef>
-          <a:fillRef idx="0">
-            <a:schemeClr val="accent1"/>
-          </a:fillRef>
-          <a:effectRef idx="0">
-            <a:schemeClr val="accent1"/>
-          </a:effectRef>
-          <a:fontRef idx="minor">
-            <a:schemeClr val="tx1"/>
-          </a:fontRef>
-        </p:style>
-      </p:cxnSp>
-      <p:grpSp>
-        <p:nvGrpSpPr>
-          <p:cNvPr id="63" name="그룹 62"/>
-          <p:cNvGrpSpPr/>
-          <p:nvPr/>
-        </p:nvGrpSpPr>
-        <p:grpSpPr>
-          <a:xfrm>
-            <a:off x="3000364" y="2214554"/>
-            <a:ext cx="2787451" cy="1321588"/>
-            <a:chOff x="3000364" y="2214554"/>
-            <a:chExt cx="2787451" cy="1321588"/>
-          </a:xfrm>
-        </p:grpSpPr>
-        <p:grpSp>
-          <p:nvGrpSpPr>
-            <p:cNvPr id="36" name="그룹 35"/>
-            <p:cNvGrpSpPr/>
-            <p:nvPr/>
-          </p:nvGrpSpPr>
-          <p:grpSpPr>
-            <a:xfrm>
-              <a:off x="3000364" y="2214554"/>
-              <a:ext cx="2068572" cy="1321588"/>
-              <a:chOff x="3000364" y="2214554"/>
-              <a:chExt cx="2068572" cy="1321588"/>
-            </a:xfrm>
-          </p:grpSpPr>
-          <p:pic>
-            <p:nvPicPr>
-              <p:cNvPr id="1038" name="Picture 14" descr="aws ec2 png 이미지 검색결과&quot;"/>
-              <p:cNvPicPr>
-                <a:picLocks noChangeAspect="1" noChangeArrowheads="1"/>
-              </p:cNvPicPr>
-              <p:nvPr/>
-            </p:nvPicPr>
-            <p:blipFill>
-              <a:blip r:embed="rId4"/>
-              <a:srcRect/>
-              <a:stretch>
-                <a:fillRect/>
-              </a:stretch>
-            </p:blipFill>
-            <p:spPr bwMode="auto">
-              <a:xfrm>
-                <a:off x="3000364" y="2214554"/>
-                <a:ext cx="2068572" cy="1321588"/>
-              </a:xfrm>
-              <a:prstGeom prst="rect">
-                <a:avLst/>
-              </a:prstGeom>
-              <a:noFill/>
-            </p:spPr>
-          </p:pic>
-          <p:pic>
-            <p:nvPicPr>
-              <p:cNvPr id="1042" name="Picture 18" descr="jenkins png 이미지 검색결과&quot;"/>
-              <p:cNvPicPr>
-                <a:picLocks noChangeAspect="1" noChangeArrowheads="1"/>
-              </p:cNvPicPr>
-              <p:nvPr/>
-            </p:nvPicPr>
-            <p:blipFill>
-              <a:blip r:embed="rId9" cstate="print"/>
-              <a:srcRect/>
-              <a:stretch>
-                <a:fillRect/>
-              </a:stretch>
-            </p:blipFill>
-            <p:spPr bwMode="auto">
-              <a:xfrm>
-                <a:off x="4286248" y="2285992"/>
-                <a:ext cx="574747" cy="795326"/>
-              </a:xfrm>
-              <a:prstGeom prst="rect">
-                <a:avLst/>
-              </a:prstGeom>
-              <a:noFill/>
-            </p:spPr>
-          </p:pic>
-        </p:grpSp>
-        <p:sp>
-          <p:nvSpPr>
-            <p:cNvPr id="62" name="직사각형 61"/>
-            <p:cNvSpPr/>
-            <p:nvPr/>
-          </p:nvSpPr>
-          <p:spPr>
-            <a:xfrm>
-              <a:off x="4857752" y="2500306"/>
-              <a:ext cx="930063" cy="369332"/>
-            </a:xfrm>
-            <a:prstGeom prst="rect">
-              <a:avLst/>
-            </a:prstGeom>
-          </p:spPr>
-          <p:txBody>
-            <a:bodyPr wrap="none">
-              <a:spAutoFit/>
-            </a:bodyPr>
-            <a:lstStyle/>
-            <a:p>
-              <a:r>
-                <a:rPr lang="en-US" altLang="ko-KR" dirty="0" smtClean="0"/>
-                <a:t>Jenkins</a:t>
-              </a:r>
-              <a:endParaRPr lang="ko-KR" altLang="en-US" dirty="0"/>
-            </a:p>
-          </p:txBody>
-        </p:sp>
-      </p:grpSp>
-      <p:sp>
-        <p:nvSpPr>
-          <p:cNvPr id="39" name="TextBox 38"/>
-          <p:cNvSpPr txBox="1"/>
-          <p:nvPr/>
-        </p:nvSpPr>
-        <p:spPr>
-          <a:xfrm>
-            <a:off x="6572264" y="4357694"/>
-            <a:ext cx="872355" cy="369332"/>
-          </a:xfrm>
-          <a:prstGeom prst="rect">
-            <a:avLst/>
-          </a:prstGeom>
-          <a:noFill/>
-        </p:spPr>
-        <p:txBody>
-          <a:bodyPr wrap="none" rtlCol="0">
-            <a:spAutoFit/>
-          </a:bodyPr>
-          <a:lstStyle/>
-          <a:p>
-            <a:r>
-              <a:rPr lang="en-US" altLang="ko-KR" dirty="0" smtClean="0"/>
-              <a:t>run jar</a:t>
-            </a:r>
-            <a:endParaRPr lang="en-US" altLang="ko-KR" dirty="0" smtClean="0"/>
-          </a:p>
-        </p:txBody>
-      </p:sp>
-    </p:spTree>
-  </p:cSld>
-  <p:clrMapOvr>
-    <a:masterClrMapping/>
-  </p:clrMapOvr>
-</p:sld>
-</file>
-
-<file path=ppt/slides/slide3.xml><?xml version="1.0" encoding="utf-8"?>
-<p:sld xmlns:a="http://schemas.openxmlformats.org/drawingml/2006/main" xmlns:r="http://schemas.openxmlformats.org/officeDocument/2006/relationships" xmlns:p="http://schemas.openxmlformats.org/presentationml/2006/main">
-  <p:cSld>
-    <p:spTree>
-      <p:nvGrpSpPr>
-        <p:cNvPr id="1" name=""/>
-        <p:cNvGrpSpPr/>
-        <p:nvPr/>
-      </p:nvGrpSpPr>
-      <p:grpSpPr>
-        <a:xfrm>
-          <a:off x="0" y="0"/>
-          <a:ext cx="0" cy="0"/>
-          <a:chOff x="0" y="0"/>
-          <a:chExt cx="0" cy="0"/>
-        </a:xfrm>
-      </p:grpSpPr>
-      <p:sp>
-        <p:nvSpPr>
-          <p:cNvPr id="2" name="제목 1"/>
-          <p:cNvSpPr>
-            <a:spLocks noGrp="1"/>
-          </p:cNvSpPr>
-          <p:nvPr>
-            <p:ph type="title"/>
-          </p:nvPr>
-        </p:nvSpPr>
-        <p:spPr>
-          <a:xfrm>
-            <a:off x="457200" y="274638"/>
-            <a:ext cx="8229600" cy="725470"/>
-          </a:xfrm>
-        </p:spPr>
-        <p:txBody>
-          <a:bodyPr>
-            <a:normAutofit/>
-          </a:bodyPr>
-          <a:lstStyle/>
-          <a:p>
-            <a:r>
               <a:rPr lang="en-US" altLang="ko-KR" sz="3200" smtClean="0"/>
               <a:t>Jenkins/Docker</a:t>
             </a:r>
@@ -4486,11 +3476,7 @@
           <a:p>
             <a:r>
               <a:rPr lang="ko-KR" altLang="en-US" dirty="0" smtClean="0"/>
-              <a:t>소스 </a:t>
-            </a:r>
-            <a:r>
-              <a:rPr lang="ko-KR" altLang="en-US" dirty="0" smtClean="0"/>
-              <a:t>관리 </a:t>
+              <a:t>소스 관리 </a:t>
             </a:r>
             <a:endParaRPr lang="en-US" altLang="ko-KR" dirty="0" smtClean="0"/>
           </a:p>
@@ -4801,7 +3787,7 @@
         </p:nvCxnSpPr>
         <p:spPr>
           <a:xfrm>
-            <a:off x="1357290" y="3000372"/>
+            <a:off x="1357290" y="2738162"/>
             <a:ext cx="1571636" cy="1588"/>
           </a:xfrm>
           <a:prstGeom prst="straightConnector1">
@@ -4834,7 +3820,7 @@
         </p:nvSpPr>
         <p:spPr>
           <a:xfrm>
-            <a:off x="1285852" y="2500306"/>
+            <a:off x="1302649" y="2313946"/>
             <a:ext cx="1037976" cy="338554"/>
           </a:xfrm>
           <a:prstGeom prst="rect">
@@ -5011,7 +3997,6 @@
               <a:rPr lang="en-US" altLang="ko-KR" sz="1600" dirty="0" smtClean="0"/>
               <a:t>build image</a:t>
             </a:r>
-            <a:endParaRPr lang="en-US" altLang="ko-KR" sz="1600" dirty="0" smtClean="0"/>
           </a:p>
         </p:txBody>
       </p:sp>
@@ -5196,7 +4181,6 @@
               <a:rPr lang="en-US" altLang="ko-KR" sz="1600" dirty="0" smtClean="0"/>
               <a:t>push image</a:t>
             </a:r>
-            <a:endParaRPr lang="en-US" altLang="ko-KR" sz="1600" dirty="0" smtClean="0"/>
           </a:p>
         </p:txBody>
       </p:sp>
@@ -5230,32 +4214,6 @@
           </a:p>
         </p:txBody>
       </p:sp>
-      <p:pic>
-        <p:nvPicPr>
-          <p:cNvPr id="46" name="Picture 14" descr="aws ec2 png 이미지 검색결과&quot;"/>
-          <p:cNvPicPr>
-            <a:picLocks noChangeAspect="1" noChangeArrowheads="1"/>
-          </p:cNvPicPr>
-          <p:nvPr/>
-        </p:nvPicPr>
-        <p:blipFill>
-          <a:blip r:embed="rId4"/>
-          <a:srcRect/>
-          <a:stretch>
-            <a:fillRect/>
-          </a:stretch>
-        </p:blipFill>
-        <p:spPr bwMode="auto">
-          <a:xfrm>
-            <a:off x="4857752" y="2143116"/>
-            <a:ext cx="2068572" cy="1321588"/>
-          </a:xfrm>
-          <a:prstGeom prst="rect">
-            <a:avLst/>
-          </a:prstGeom>
-          <a:noFill/>
-        </p:spPr>
-      </p:pic>
       <p:cxnSp>
         <p:nvCxnSpPr>
           <p:cNvPr id="51" name="직선 연결선 50"/>
@@ -5299,10 +4257,10 @@
         </p:nvGrpSpPr>
         <p:grpSpPr>
           <a:xfrm>
-            <a:off x="5429256" y="4429132"/>
-            <a:ext cx="1215303" cy="1727783"/>
+            <a:off x="5429254" y="4429134"/>
+            <a:ext cx="1169036" cy="1611905"/>
             <a:chOff x="5857883" y="4572008"/>
-            <a:chExt cx="929551" cy="1442031"/>
+            <a:chExt cx="894163" cy="1345317"/>
           </a:xfrm>
         </p:grpSpPr>
         <p:pic>
@@ -5340,7 +4298,7 @@
           <p:spPr>
             <a:xfrm>
               <a:off x="5857884" y="5429264"/>
-              <a:ext cx="929550" cy="584775"/>
+              <a:ext cx="710987" cy="488061"/>
             </a:xfrm>
             <a:prstGeom prst="rect">
               <a:avLst/>
@@ -5353,12 +4311,12 @@
             <a:lstStyle/>
             <a:p>
               <a:r>
-                <a:rPr lang="en-US" altLang="ko-KR" sz="1600" dirty="0" err="1" smtClean="0"/>
-                <a:t>Docker</a:t>
+                <a:rPr lang="en-US" altLang="ko-KR" sz="1600" dirty="0" smtClean="0"/>
+                <a:t>Image</a:t>
               </a:r>
-              <a:endParaRPr lang="en-US" altLang="ko-KR" sz="1600" dirty="0" smtClean="0"/>
-            </a:p>
-            <a:p>
+              <a:br>
+                <a:rPr lang="en-US" altLang="ko-KR" sz="1600" dirty="0" smtClean="0"/>
+              </a:br>
               <a:r>
                 <a:rPr lang="en-US" altLang="ko-KR" sz="1600" dirty="0" smtClean="0"/>
                 <a:t>Registry</a:t>
@@ -5420,7 +4378,6 @@
               <a:rPr lang="en-US" altLang="ko-KR" sz="1600" dirty="0" smtClean="0"/>
               <a:t>pull image</a:t>
             </a:r>
-            <a:endParaRPr lang="en-US" altLang="ko-KR" sz="1600" dirty="0" smtClean="0"/>
           </a:p>
         </p:txBody>
       </p:sp>
@@ -5516,7 +4473,6 @@
               <a:rPr lang="en-US" altLang="ko-KR" sz="1600" dirty="0" smtClean="0"/>
               <a:t>run container</a:t>
             </a:r>
-            <a:endParaRPr lang="en-US" altLang="ko-KR" sz="1600" dirty="0" smtClean="0"/>
           </a:p>
         </p:txBody>
       </p:sp>
@@ -5853,6 +4809,110 @@
           </a:p>
         </p:txBody>
       </p:sp>
+      <p:cxnSp>
+        <p:nvCxnSpPr>
+          <p:cNvPr id="56" name="직선 화살표 연결선 55"/>
+          <p:cNvCxnSpPr/>
+          <p:nvPr/>
+        </p:nvCxnSpPr>
+        <p:spPr>
+          <a:xfrm flipH="1">
+            <a:off x="1358291" y="2923438"/>
+            <a:ext cx="1535053" cy="1588"/>
+          </a:xfrm>
+          <a:prstGeom prst="straightConnector1">
+            <a:avLst/>
+          </a:prstGeom>
+          <a:ln>
+            <a:tailEnd type="arrow"/>
+          </a:ln>
+        </p:spPr>
+        <p:style>
+          <a:lnRef idx="1">
+            <a:schemeClr val="accent1"/>
+          </a:lnRef>
+          <a:fillRef idx="0">
+            <a:schemeClr val="accent1"/>
+          </a:fillRef>
+          <a:effectRef idx="0">
+            <a:schemeClr val="accent1"/>
+          </a:effectRef>
+          <a:fontRef idx="minor">
+            <a:schemeClr val="tx1"/>
+          </a:fontRef>
+        </p:style>
+      </p:cxnSp>
+      <p:sp>
+        <p:nvSpPr>
+          <p:cNvPr id="61" name="TextBox 60"/>
+          <p:cNvSpPr txBox="1"/>
+          <p:nvPr/>
+        </p:nvSpPr>
+        <p:spPr>
+          <a:xfrm>
+            <a:off x="1329769" y="2968669"/>
+            <a:ext cx="534121" cy="338554"/>
+          </a:xfrm>
+          <a:prstGeom prst="rect">
+            <a:avLst/>
+          </a:prstGeom>
+          <a:noFill/>
+        </p:spPr>
+        <p:txBody>
+          <a:bodyPr wrap="none" rtlCol="0">
+            <a:spAutoFit/>
+          </a:bodyPr>
+          <a:lstStyle/>
+          <a:p>
+            <a:r>
+              <a:rPr lang="en-US" altLang="ko-KR" sz="1600" dirty="0" smtClean="0"/>
+              <a:t>poll</a:t>
+            </a:r>
+            <a:endParaRPr lang="ko-KR" altLang="en-US" sz="1600" dirty="0"/>
+          </a:p>
+        </p:txBody>
+      </p:sp>
+      <p:pic>
+        <p:nvPicPr>
+          <p:cNvPr id="7" name="Picture 2" descr="New Docker Hub Pricing"/>
+          <p:cNvPicPr>
+            <a:picLocks noChangeAspect="1" noChangeArrowheads="1"/>
+          </p:cNvPicPr>
+          <p:nvPr/>
+        </p:nvPicPr>
+        <p:blipFill>
+          <a:blip r:embed="rId12" cstate="print">
+            <a:extLst>
+              <a:ext uri="{28A0092B-C50C-407E-A947-70E740481C1C}">
+                <a14:useLocalDpi xmlns:a14="http://schemas.microsoft.com/office/drawing/2010/main" val="0"/>
+              </a:ext>
+            </a:extLst>
+          </a:blip>
+          <a:srcRect/>
+          <a:stretch>
+            <a:fillRect/>
+          </a:stretch>
+        </p:blipFill>
+        <p:spPr bwMode="auto">
+          <a:xfrm>
+            <a:off x="5254696" y="2355145"/>
+            <a:ext cx="1577138" cy="661796"/>
+          </a:xfrm>
+          <a:prstGeom prst="rect">
+            <a:avLst/>
+          </a:prstGeom>
+          <a:noFill/>
+          <a:extLst>
+            <a:ext uri="{909E8E84-426E-40DD-AFC4-6F175D3DCCD1}">
+              <a14:hiddenFill xmlns:a14="http://schemas.microsoft.com/office/drawing/2010/main">
+                <a:solidFill>
+                  <a:srgbClr val="FFFFFF"/>
+                </a:solidFill>
+              </a14:hiddenFill>
+            </a:ext>
+          </a:extLst>
+        </p:spPr>
+      </p:pic>
     </p:spTree>
   </p:cSld>
   <p:clrMapOvr>

--- a/2. 팀프로젝트 배포/2.3.CI_CD/CI_CD.pptx
+++ b/2. 팀프로젝트 배포/2.3.CI_CD/CI_CD.pptx
@@ -4,6 +4,9 @@
   <p:sldMasterIdLst>
     <p:sldMasterId id="2147483648" r:id="rId1"/>
   </p:sldMasterIdLst>
+  <p:notesMasterIdLst>
+    <p:notesMasterId r:id="rId4"/>
+  </p:notesMasterIdLst>
   <p:sldIdLst>
     <p:sldId id="256" r:id="rId2"/>
     <p:sldId id="258" r:id="rId3"/>
@@ -124,6 +127,440 @@
 </p:presentation>
 </file>
 
+<file path=ppt/notesMasters/notesMaster1.xml><?xml version="1.0" encoding="utf-8"?>
+<p:notesMaster xmlns:a="http://schemas.openxmlformats.org/drawingml/2006/main" xmlns:r="http://schemas.openxmlformats.org/officeDocument/2006/relationships" xmlns:p="http://schemas.openxmlformats.org/presentationml/2006/main">
+  <p:cSld>
+    <p:bg>
+      <p:bgRef idx="1001">
+        <a:schemeClr val="bg1"/>
+      </p:bgRef>
+    </p:bg>
+    <p:spTree>
+      <p:nvGrpSpPr>
+        <p:cNvPr id="1" name=""/>
+        <p:cNvGrpSpPr/>
+        <p:nvPr/>
+      </p:nvGrpSpPr>
+      <p:grpSpPr>
+        <a:xfrm>
+          <a:off x="0" y="0"/>
+          <a:ext cx="0" cy="0"/>
+          <a:chOff x="0" y="0"/>
+          <a:chExt cx="0" cy="0"/>
+        </a:xfrm>
+      </p:grpSpPr>
+      <p:sp>
+        <p:nvSpPr>
+          <p:cNvPr id="2" name="머리글 개체 틀 1"/>
+          <p:cNvSpPr>
+            <a:spLocks noGrp="1"/>
+          </p:cNvSpPr>
+          <p:nvPr>
+            <p:ph type="hdr" sz="quarter"/>
+          </p:nvPr>
+        </p:nvSpPr>
+        <p:spPr>
+          <a:xfrm>
+            <a:off x="0" y="0"/>
+            <a:ext cx="2971800" cy="458788"/>
+          </a:xfrm>
+          <a:prstGeom prst="rect">
+            <a:avLst/>
+          </a:prstGeom>
+        </p:spPr>
+        <p:txBody>
+          <a:bodyPr vert="horz" lIns="91440" tIns="45720" rIns="91440" bIns="45720" rtlCol="0"/>
+          <a:lstStyle>
+            <a:lvl1pPr algn="l">
+              <a:defRPr sz="1200"/>
+            </a:lvl1pPr>
+          </a:lstStyle>
+          <a:p>
+            <a:endParaRPr lang="ko-KR" altLang="en-US"/>
+          </a:p>
+        </p:txBody>
+      </p:sp>
+      <p:sp>
+        <p:nvSpPr>
+          <p:cNvPr id="3" name="날짜 개체 틀 2"/>
+          <p:cNvSpPr>
+            <a:spLocks noGrp="1"/>
+          </p:cNvSpPr>
+          <p:nvPr>
+            <p:ph type="dt" idx="1"/>
+          </p:nvPr>
+        </p:nvSpPr>
+        <p:spPr>
+          <a:xfrm>
+            <a:off x="3884613" y="0"/>
+            <a:ext cx="2971800" cy="458788"/>
+          </a:xfrm>
+          <a:prstGeom prst="rect">
+            <a:avLst/>
+          </a:prstGeom>
+        </p:spPr>
+        <p:txBody>
+          <a:bodyPr vert="horz" lIns="91440" tIns="45720" rIns="91440" bIns="45720" rtlCol="0"/>
+          <a:lstStyle>
+            <a:lvl1pPr algn="r">
+              <a:defRPr sz="1200"/>
+            </a:lvl1pPr>
+          </a:lstStyle>
+          <a:p>
+            <a:fld id="{7587E804-7C0D-4CA7-93FE-EED6A06E6E62}" type="datetimeFigureOut">
+              <a:rPr lang="ko-KR" altLang="en-US" smtClean="0"/>
+              <a:t>2023-11-24</a:t>
+            </a:fld>
+            <a:endParaRPr lang="ko-KR" altLang="en-US"/>
+          </a:p>
+        </p:txBody>
+      </p:sp>
+      <p:sp>
+        <p:nvSpPr>
+          <p:cNvPr id="4" name="슬라이드 이미지 개체 틀 3"/>
+          <p:cNvSpPr>
+            <a:spLocks noGrp="1" noRot="1" noChangeAspect="1"/>
+          </p:cNvSpPr>
+          <p:nvPr>
+            <p:ph type="sldImg" idx="2"/>
+          </p:nvPr>
+        </p:nvSpPr>
+        <p:spPr>
+          <a:xfrm>
+            <a:off x="1371600" y="1143000"/>
+            <a:ext cx="4114800" cy="3086100"/>
+          </a:xfrm>
+          <a:prstGeom prst="rect">
+            <a:avLst/>
+          </a:prstGeom>
+          <a:noFill/>
+          <a:ln w="12700">
+            <a:solidFill>
+              <a:prstClr val="black"/>
+            </a:solidFill>
+          </a:ln>
+        </p:spPr>
+        <p:txBody>
+          <a:bodyPr vert="horz" lIns="91440" tIns="45720" rIns="91440" bIns="45720" rtlCol="0" anchor="ctr"/>
+          <a:lstStyle/>
+          <a:p>
+            <a:endParaRPr lang="ko-KR" altLang="en-US"/>
+          </a:p>
+        </p:txBody>
+      </p:sp>
+      <p:sp>
+        <p:nvSpPr>
+          <p:cNvPr id="5" name="슬라이드 노트 개체 틀 4"/>
+          <p:cNvSpPr>
+            <a:spLocks noGrp="1"/>
+          </p:cNvSpPr>
+          <p:nvPr>
+            <p:ph type="body" sz="quarter" idx="3"/>
+          </p:nvPr>
+        </p:nvSpPr>
+        <p:spPr>
+          <a:xfrm>
+            <a:off x="685800" y="4400550"/>
+            <a:ext cx="5486400" cy="3600450"/>
+          </a:xfrm>
+          <a:prstGeom prst="rect">
+            <a:avLst/>
+          </a:prstGeom>
+        </p:spPr>
+        <p:txBody>
+          <a:bodyPr vert="horz" lIns="91440" tIns="45720" rIns="91440" bIns="45720" rtlCol="0"/>
+          <a:lstStyle/>
+          <a:p>
+            <a:pPr lvl="0"/>
+            <a:r>
+              <a:rPr lang="ko-KR" altLang="en-US" smtClean="0"/>
+              <a:t>마스터 텍스트 스타일 편집</a:t>
+            </a:r>
+          </a:p>
+          <a:p>
+            <a:pPr lvl="1"/>
+            <a:r>
+              <a:rPr lang="ko-KR" altLang="en-US" smtClean="0"/>
+              <a:t>둘째 수준</a:t>
+            </a:r>
+          </a:p>
+          <a:p>
+            <a:pPr lvl="2"/>
+            <a:r>
+              <a:rPr lang="ko-KR" altLang="en-US" smtClean="0"/>
+              <a:t>셋째 수준</a:t>
+            </a:r>
+          </a:p>
+          <a:p>
+            <a:pPr lvl="3"/>
+            <a:r>
+              <a:rPr lang="ko-KR" altLang="en-US" smtClean="0"/>
+              <a:t>넷째 수준</a:t>
+            </a:r>
+          </a:p>
+          <a:p>
+            <a:pPr lvl="4"/>
+            <a:r>
+              <a:rPr lang="ko-KR" altLang="en-US" smtClean="0"/>
+              <a:t>다섯째 수준</a:t>
+            </a:r>
+            <a:endParaRPr lang="ko-KR" altLang="en-US"/>
+          </a:p>
+        </p:txBody>
+      </p:sp>
+      <p:sp>
+        <p:nvSpPr>
+          <p:cNvPr id="6" name="바닥글 개체 틀 5"/>
+          <p:cNvSpPr>
+            <a:spLocks noGrp="1"/>
+          </p:cNvSpPr>
+          <p:nvPr>
+            <p:ph type="ftr" sz="quarter" idx="4"/>
+          </p:nvPr>
+        </p:nvSpPr>
+        <p:spPr>
+          <a:xfrm>
+            <a:off x="0" y="8685213"/>
+            <a:ext cx="2971800" cy="458787"/>
+          </a:xfrm>
+          <a:prstGeom prst="rect">
+            <a:avLst/>
+          </a:prstGeom>
+        </p:spPr>
+        <p:txBody>
+          <a:bodyPr vert="horz" lIns="91440" tIns="45720" rIns="91440" bIns="45720" rtlCol="0" anchor="b"/>
+          <a:lstStyle>
+            <a:lvl1pPr algn="l">
+              <a:defRPr sz="1200"/>
+            </a:lvl1pPr>
+          </a:lstStyle>
+          <a:p>
+            <a:endParaRPr lang="ko-KR" altLang="en-US"/>
+          </a:p>
+        </p:txBody>
+      </p:sp>
+      <p:sp>
+        <p:nvSpPr>
+          <p:cNvPr id="7" name="슬라이드 번호 개체 틀 6"/>
+          <p:cNvSpPr>
+            <a:spLocks noGrp="1"/>
+          </p:cNvSpPr>
+          <p:nvPr>
+            <p:ph type="sldNum" sz="quarter" idx="5"/>
+          </p:nvPr>
+        </p:nvSpPr>
+        <p:spPr>
+          <a:xfrm>
+            <a:off x="3884613" y="8685213"/>
+            <a:ext cx="2971800" cy="458787"/>
+          </a:xfrm>
+          <a:prstGeom prst="rect">
+            <a:avLst/>
+          </a:prstGeom>
+        </p:spPr>
+        <p:txBody>
+          <a:bodyPr vert="horz" lIns="91440" tIns="45720" rIns="91440" bIns="45720" rtlCol="0" anchor="b"/>
+          <a:lstStyle>
+            <a:lvl1pPr algn="r">
+              <a:defRPr sz="1200"/>
+            </a:lvl1pPr>
+          </a:lstStyle>
+          <a:p>
+            <a:fld id="{E89D63E7-15F6-4E9B-8A40-95D9996F858E}" type="slidenum">
+              <a:rPr lang="ko-KR" altLang="en-US" smtClean="0"/>
+              <a:t>‹#›</a:t>
+            </a:fld>
+            <a:endParaRPr lang="ko-KR" altLang="en-US"/>
+          </a:p>
+        </p:txBody>
+      </p:sp>
+    </p:spTree>
+    <p:extLst>
+      <p:ext uri="{BB962C8B-B14F-4D97-AF65-F5344CB8AC3E}">
+        <p14:creationId xmlns:p14="http://schemas.microsoft.com/office/powerpoint/2010/main" val="2692883804"/>
+      </p:ext>
+    </p:extLst>
+  </p:cSld>
+  <p:clrMap bg1="lt1" tx1="dk1" bg2="lt2" tx2="dk2" accent1="accent1" accent2="accent2" accent3="accent3" accent4="accent4" accent5="accent5" accent6="accent6" hlink="hlink" folHlink="folHlink"/>
+  <p:notesStyle>
+    <a:lvl1pPr marL="0" algn="l" defTabSz="914400" rtl="0" eaLnBrk="1" latinLnBrk="1" hangingPunct="1">
+      <a:defRPr sz="1200" kern="1200">
+        <a:solidFill>
+          <a:schemeClr val="tx1"/>
+        </a:solidFill>
+        <a:latin typeface="+mn-lt"/>
+        <a:ea typeface="+mn-ea"/>
+        <a:cs typeface="+mn-cs"/>
+      </a:defRPr>
+    </a:lvl1pPr>
+    <a:lvl2pPr marL="457200" algn="l" defTabSz="914400" rtl="0" eaLnBrk="1" latinLnBrk="1" hangingPunct="1">
+      <a:defRPr sz="1200" kern="1200">
+        <a:solidFill>
+          <a:schemeClr val="tx1"/>
+        </a:solidFill>
+        <a:latin typeface="+mn-lt"/>
+        <a:ea typeface="+mn-ea"/>
+        <a:cs typeface="+mn-cs"/>
+      </a:defRPr>
+    </a:lvl2pPr>
+    <a:lvl3pPr marL="914400" algn="l" defTabSz="914400" rtl="0" eaLnBrk="1" latinLnBrk="1" hangingPunct="1">
+      <a:defRPr sz="1200" kern="1200">
+        <a:solidFill>
+          <a:schemeClr val="tx1"/>
+        </a:solidFill>
+        <a:latin typeface="+mn-lt"/>
+        <a:ea typeface="+mn-ea"/>
+        <a:cs typeface="+mn-cs"/>
+      </a:defRPr>
+    </a:lvl3pPr>
+    <a:lvl4pPr marL="1371600" algn="l" defTabSz="914400" rtl="0" eaLnBrk="1" latinLnBrk="1" hangingPunct="1">
+      <a:defRPr sz="1200" kern="1200">
+        <a:solidFill>
+          <a:schemeClr val="tx1"/>
+        </a:solidFill>
+        <a:latin typeface="+mn-lt"/>
+        <a:ea typeface="+mn-ea"/>
+        <a:cs typeface="+mn-cs"/>
+      </a:defRPr>
+    </a:lvl4pPr>
+    <a:lvl5pPr marL="1828800" algn="l" defTabSz="914400" rtl="0" eaLnBrk="1" latinLnBrk="1" hangingPunct="1">
+      <a:defRPr sz="1200" kern="1200">
+        <a:solidFill>
+          <a:schemeClr val="tx1"/>
+        </a:solidFill>
+        <a:latin typeface="+mn-lt"/>
+        <a:ea typeface="+mn-ea"/>
+        <a:cs typeface="+mn-cs"/>
+      </a:defRPr>
+    </a:lvl5pPr>
+    <a:lvl6pPr marL="2286000" algn="l" defTabSz="914400" rtl="0" eaLnBrk="1" latinLnBrk="1" hangingPunct="1">
+      <a:defRPr sz="1200" kern="1200">
+        <a:solidFill>
+          <a:schemeClr val="tx1"/>
+        </a:solidFill>
+        <a:latin typeface="+mn-lt"/>
+        <a:ea typeface="+mn-ea"/>
+        <a:cs typeface="+mn-cs"/>
+      </a:defRPr>
+    </a:lvl6pPr>
+    <a:lvl7pPr marL="2743200" algn="l" defTabSz="914400" rtl="0" eaLnBrk="1" latinLnBrk="1" hangingPunct="1">
+      <a:defRPr sz="1200" kern="1200">
+        <a:solidFill>
+          <a:schemeClr val="tx1"/>
+        </a:solidFill>
+        <a:latin typeface="+mn-lt"/>
+        <a:ea typeface="+mn-ea"/>
+        <a:cs typeface="+mn-cs"/>
+      </a:defRPr>
+    </a:lvl7pPr>
+    <a:lvl8pPr marL="3200400" algn="l" defTabSz="914400" rtl="0" eaLnBrk="1" latinLnBrk="1" hangingPunct="1">
+      <a:defRPr sz="1200" kern="1200">
+        <a:solidFill>
+          <a:schemeClr val="tx1"/>
+        </a:solidFill>
+        <a:latin typeface="+mn-lt"/>
+        <a:ea typeface="+mn-ea"/>
+        <a:cs typeface="+mn-cs"/>
+      </a:defRPr>
+    </a:lvl8pPr>
+    <a:lvl9pPr marL="3657600" algn="l" defTabSz="914400" rtl="0" eaLnBrk="1" latinLnBrk="1" hangingPunct="1">
+      <a:defRPr sz="1200" kern="1200">
+        <a:solidFill>
+          <a:schemeClr val="tx1"/>
+        </a:solidFill>
+        <a:latin typeface="+mn-lt"/>
+        <a:ea typeface="+mn-ea"/>
+        <a:cs typeface="+mn-cs"/>
+      </a:defRPr>
+    </a:lvl9pPr>
+  </p:notesStyle>
+</p:notesMaster>
+</file>
+
+<file path=ppt/notesSlides/notesSlide1.xml><?xml version="1.0" encoding="utf-8"?>
+<p:notes xmlns:a="http://schemas.openxmlformats.org/drawingml/2006/main" xmlns:r="http://schemas.openxmlformats.org/officeDocument/2006/relationships" xmlns:p="http://schemas.openxmlformats.org/presentationml/2006/main">
+  <p:cSld>
+    <p:spTree>
+      <p:nvGrpSpPr>
+        <p:cNvPr id="1" name=""/>
+        <p:cNvGrpSpPr/>
+        <p:nvPr/>
+      </p:nvGrpSpPr>
+      <p:grpSpPr>
+        <a:xfrm>
+          <a:off x="0" y="0"/>
+          <a:ext cx="0" cy="0"/>
+          <a:chOff x="0" y="0"/>
+          <a:chExt cx="0" cy="0"/>
+        </a:xfrm>
+      </p:grpSpPr>
+      <p:sp>
+        <p:nvSpPr>
+          <p:cNvPr id="2" name="슬라이드 이미지 개체 틀 1"/>
+          <p:cNvSpPr>
+            <a:spLocks noGrp="1" noRot="1" noChangeAspect="1"/>
+          </p:cNvSpPr>
+          <p:nvPr>
+            <p:ph type="sldImg"/>
+          </p:nvPr>
+        </p:nvSpPr>
+        <p:spPr/>
+      </p:sp>
+      <p:sp>
+        <p:nvSpPr>
+          <p:cNvPr id="3" name="슬라이드 노트 개체 틀 2"/>
+          <p:cNvSpPr>
+            <a:spLocks noGrp="1"/>
+          </p:cNvSpPr>
+          <p:nvPr>
+            <p:ph type="body" idx="1"/>
+          </p:nvPr>
+        </p:nvSpPr>
+        <p:spPr/>
+        <p:txBody>
+          <a:bodyPr/>
+          <a:lstStyle/>
+          <a:p>
+            <a:endParaRPr lang="ko-KR" altLang="en-US" dirty="0"/>
+          </a:p>
+        </p:txBody>
+      </p:sp>
+      <p:sp>
+        <p:nvSpPr>
+          <p:cNvPr id="4" name="슬라이드 번호 개체 틀 3"/>
+          <p:cNvSpPr>
+            <a:spLocks noGrp="1"/>
+          </p:cNvSpPr>
+          <p:nvPr>
+            <p:ph type="sldNum" sz="quarter" idx="10"/>
+          </p:nvPr>
+        </p:nvSpPr>
+        <p:spPr/>
+        <p:txBody>
+          <a:bodyPr/>
+          <a:lstStyle/>
+          <a:p>
+            <a:fld id="{E89D63E7-15F6-4E9B-8A40-95D9996F858E}" type="slidenum">
+              <a:rPr lang="ko-KR" altLang="en-US" smtClean="0"/>
+              <a:t>2</a:t>
+            </a:fld>
+            <a:endParaRPr lang="ko-KR" altLang="en-US"/>
+          </a:p>
+        </p:txBody>
+      </p:sp>
+    </p:spTree>
+    <p:extLst>
+      <p:ext uri="{BB962C8B-B14F-4D97-AF65-F5344CB8AC3E}">
+        <p14:creationId xmlns:p14="http://schemas.microsoft.com/office/powerpoint/2010/main" val="623572128"/>
+      </p:ext>
+    </p:extLst>
+  </p:cSld>
+  <p:clrMapOvr>
+    <a:masterClrMapping/>
+  </p:clrMapOvr>
+</p:notes>
+</file>
+
 <file path=ppt/slideLayouts/slideLayout1.xml><?xml version="1.0" encoding="utf-8"?>
 <p:sldLayout xmlns:a="http://schemas.openxmlformats.org/drawingml/2006/main" xmlns:r="http://schemas.openxmlformats.org/officeDocument/2006/relationships" xmlns:p="http://schemas.openxmlformats.org/presentationml/2006/main" type="title" preserve="1">
   <p:cSld name="제목 슬라이드">
@@ -306,7 +743,7 @@
             <a:fld id="{2507A560-5431-4D67-A70E-F61FB3F9DA0A}" type="datetimeFigureOut">
               <a:rPr lang="ko-KR" altLang="en-US" smtClean="0"/>
               <a:pPr/>
-              <a:t>2023-11-23</a:t>
+              <a:t>2023-11-24</a:t>
             </a:fld>
             <a:endParaRPr lang="ko-KR" altLang="en-US"/>
           </a:p>
@@ -473,7 +910,7 @@
             <a:fld id="{2507A560-5431-4D67-A70E-F61FB3F9DA0A}" type="datetimeFigureOut">
               <a:rPr lang="ko-KR" altLang="en-US" smtClean="0"/>
               <a:pPr/>
-              <a:t>2023-11-23</a:t>
+              <a:t>2023-11-24</a:t>
             </a:fld>
             <a:endParaRPr lang="ko-KR" altLang="en-US"/>
           </a:p>
@@ -650,7 +1087,7 @@
             <a:fld id="{2507A560-5431-4D67-A70E-F61FB3F9DA0A}" type="datetimeFigureOut">
               <a:rPr lang="ko-KR" altLang="en-US" smtClean="0"/>
               <a:pPr/>
-              <a:t>2023-11-23</a:t>
+              <a:t>2023-11-24</a:t>
             </a:fld>
             <a:endParaRPr lang="ko-KR" altLang="en-US"/>
           </a:p>
@@ -817,7 +1254,7 @@
             <a:fld id="{2507A560-5431-4D67-A70E-F61FB3F9DA0A}" type="datetimeFigureOut">
               <a:rPr lang="ko-KR" altLang="en-US" smtClean="0"/>
               <a:pPr/>
-              <a:t>2023-11-23</a:t>
+              <a:t>2023-11-24</a:t>
             </a:fld>
             <a:endParaRPr lang="ko-KR" altLang="en-US"/>
           </a:p>
@@ -1060,7 +1497,7 @@
             <a:fld id="{2507A560-5431-4D67-A70E-F61FB3F9DA0A}" type="datetimeFigureOut">
               <a:rPr lang="ko-KR" altLang="en-US" smtClean="0"/>
               <a:pPr/>
-              <a:t>2023-11-23</a:t>
+              <a:t>2023-11-24</a:t>
             </a:fld>
             <a:endParaRPr lang="ko-KR" altLang="en-US"/>
           </a:p>
@@ -1345,7 +1782,7 @@
             <a:fld id="{2507A560-5431-4D67-A70E-F61FB3F9DA0A}" type="datetimeFigureOut">
               <a:rPr lang="ko-KR" altLang="en-US" smtClean="0"/>
               <a:pPr/>
-              <a:t>2023-11-23</a:t>
+              <a:t>2023-11-24</a:t>
             </a:fld>
             <a:endParaRPr lang="ko-KR" altLang="en-US"/>
           </a:p>
@@ -1764,7 +2201,7 @@
             <a:fld id="{2507A560-5431-4D67-A70E-F61FB3F9DA0A}" type="datetimeFigureOut">
               <a:rPr lang="ko-KR" altLang="en-US" smtClean="0"/>
               <a:pPr/>
-              <a:t>2023-11-23</a:t>
+              <a:t>2023-11-24</a:t>
             </a:fld>
             <a:endParaRPr lang="ko-KR" altLang="en-US"/>
           </a:p>
@@ -1879,7 +2316,7 @@
             <a:fld id="{2507A560-5431-4D67-A70E-F61FB3F9DA0A}" type="datetimeFigureOut">
               <a:rPr lang="ko-KR" altLang="en-US" smtClean="0"/>
               <a:pPr/>
-              <a:t>2023-11-23</a:t>
+              <a:t>2023-11-24</a:t>
             </a:fld>
             <a:endParaRPr lang="ko-KR" altLang="en-US"/>
           </a:p>
@@ -1971,7 +2408,7 @@
             <a:fld id="{2507A560-5431-4D67-A70E-F61FB3F9DA0A}" type="datetimeFigureOut">
               <a:rPr lang="ko-KR" altLang="en-US" smtClean="0"/>
               <a:pPr/>
-              <a:t>2023-11-23</a:t>
+              <a:t>2023-11-24</a:t>
             </a:fld>
             <a:endParaRPr lang="ko-KR" altLang="en-US"/>
           </a:p>
@@ -2245,7 +2682,7 @@
             <a:fld id="{2507A560-5431-4D67-A70E-F61FB3F9DA0A}" type="datetimeFigureOut">
               <a:rPr lang="ko-KR" altLang="en-US" smtClean="0"/>
               <a:pPr/>
-              <a:t>2023-11-23</a:t>
+              <a:t>2023-11-24</a:t>
             </a:fld>
             <a:endParaRPr lang="ko-KR" altLang="en-US"/>
           </a:p>
@@ -2495,7 +2932,7 @@
             <a:fld id="{2507A560-5431-4D67-A70E-F61FB3F9DA0A}" type="datetimeFigureOut">
               <a:rPr lang="ko-KR" altLang="en-US" smtClean="0"/>
               <a:pPr/>
-              <a:t>2023-11-23</a:t>
+              <a:t>2023-11-24</a:t>
             </a:fld>
             <a:endParaRPr lang="ko-KR" altLang="en-US"/>
           </a:p>
@@ -2705,7 +3142,7 @@
             <a:fld id="{2507A560-5431-4D67-A70E-F61FB3F9DA0A}" type="datetimeFigureOut">
               <a:rPr lang="ko-KR" altLang="en-US" smtClean="0"/>
               <a:pPr/>
-              <a:t>2023-11-23</a:t>
+              <a:t>2023-11-24</a:t>
             </a:fld>
             <a:endParaRPr lang="ko-KR" altLang="en-US"/>
           </a:p>
@@ -3241,7 +3678,7 @@
           <p:nvPr/>
         </p:nvPicPr>
         <p:blipFill>
-          <a:blip r:embed="rId2"/>
+          <a:blip r:embed="rId3"/>
           <a:srcRect/>
           <a:stretch>
             <a:fillRect/>
@@ -3357,7 +3794,7 @@
           <p:nvPr/>
         </p:nvPicPr>
         <p:blipFill>
-          <a:blip r:embed="rId3" cstate="print"/>
+          <a:blip r:embed="rId4" cstate="print"/>
           <a:srcRect/>
           <a:stretch>
             <a:fillRect/>
@@ -3377,32 +3814,6 @@
       <p:pic>
         <p:nvPicPr>
           <p:cNvPr id="15" name="Picture 14" descr="aws ec2 png 이미지 검색결과&quot;"/>
-          <p:cNvPicPr>
-            <a:picLocks noChangeAspect="1" noChangeArrowheads="1"/>
-          </p:cNvPicPr>
-          <p:nvPr/>
-        </p:nvPicPr>
-        <p:blipFill>
-          <a:blip r:embed="rId4"/>
-          <a:srcRect/>
-          <a:stretch>
-            <a:fillRect/>
-          </a:stretch>
-        </p:blipFill>
-        <p:spPr bwMode="auto">
-          <a:xfrm>
-            <a:off x="6929454" y="2143116"/>
-            <a:ext cx="2068572" cy="1321588"/>
-          </a:xfrm>
-          <a:prstGeom prst="rect">
-            <a:avLst/>
-          </a:prstGeom>
-          <a:noFill/>
-        </p:spPr>
-      </p:pic>
-      <p:pic>
-        <p:nvPicPr>
-          <p:cNvPr id="1048" name="Picture 24" descr="spring boot png 이미지 검색결과&quot;"/>
           <p:cNvPicPr>
             <a:picLocks noChangeAspect="1" noChangeArrowheads="1"/>
           </p:cNvPicPr>
@@ -3417,7 +3828,33 @@
         </p:blipFill>
         <p:spPr bwMode="auto">
           <a:xfrm>
-            <a:off x="7358082" y="5786454"/>
+            <a:off x="6929454" y="2143116"/>
+            <a:ext cx="2068572" cy="1321588"/>
+          </a:xfrm>
+          <a:prstGeom prst="rect">
+            <a:avLst/>
+          </a:prstGeom>
+          <a:noFill/>
+        </p:spPr>
+      </p:pic>
+      <p:pic>
+        <p:nvPicPr>
+          <p:cNvPr id="1048" name="Picture 24" descr="spring boot png 이미지 검색결과&quot;"/>
+          <p:cNvPicPr>
+            <a:picLocks noChangeAspect="1" noChangeArrowheads="1"/>
+          </p:cNvPicPr>
+          <p:nvPr/>
+        </p:nvPicPr>
+        <p:blipFill>
+          <a:blip r:embed="rId6"/>
+          <a:srcRect/>
+          <a:stretch>
+            <a:fillRect/>
+          </a:stretch>
+        </p:blipFill>
+        <p:spPr bwMode="auto">
+          <a:xfrm>
+            <a:off x="6951871" y="5985014"/>
             <a:ext cx="1132764" cy="594701"/>
           </a:xfrm>
           <a:prstGeom prst="rect">
@@ -3435,7 +3872,7 @@
           <p:nvPr/>
         </p:nvPicPr>
         <p:blipFill>
-          <a:blip r:embed="rId6" cstate="print"/>
+          <a:blip r:embed="rId7" cstate="print"/>
           <a:srcRect/>
           <a:stretch>
             <a:fillRect/>
@@ -3490,7 +3927,7 @@
         </p:nvSpPr>
         <p:spPr>
           <a:xfrm>
-            <a:off x="2786050" y="1857364"/>
+            <a:off x="2809096" y="1766496"/>
             <a:ext cx="1199367" cy="369332"/>
           </a:xfrm>
           <a:prstGeom prst="rect">
@@ -3528,7 +3965,7 @@
         </p:nvSpPr>
         <p:spPr>
           <a:xfrm>
-            <a:off x="7218304" y="1857364"/>
+            <a:off x="7233725" y="1735543"/>
             <a:ext cx="1420582" cy="369332"/>
           </a:xfrm>
           <a:prstGeom prst="rect">
@@ -3573,7 +4010,7 @@
             <p:nvPr/>
           </p:nvPicPr>
           <p:blipFill>
-            <a:blip r:embed="rId7" cstate="print"/>
+            <a:blip r:embed="rId8" cstate="print"/>
             <a:srcRect/>
             <a:stretch>
               <a:fillRect/>
@@ -3629,7 +4066,7 @@
           <p:nvPr/>
         </p:nvPicPr>
         <p:blipFill>
-          <a:blip r:embed="rId8" cstate="print"/>
+          <a:blip r:embed="rId9" cstate="print"/>
           <a:srcRect/>
           <a:stretch>
             <a:fillRect/>
@@ -3637,7 +4074,7 @@
         </p:blipFill>
         <p:spPr bwMode="auto">
           <a:xfrm>
-            <a:off x="7715272" y="3500438"/>
+            <a:off x="7479421" y="3500470"/>
             <a:ext cx="500034" cy="500034"/>
           </a:xfrm>
           <a:prstGeom prst="rect">
@@ -3687,8 +4124,8 @@
         </p:nvSpPr>
         <p:spPr>
           <a:xfrm>
-            <a:off x="1000100" y="4143380"/>
-            <a:ext cx="633507" cy="338554"/>
+            <a:off x="931632" y="4107647"/>
+            <a:ext cx="1310295" cy="338554"/>
           </a:xfrm>
           <a:prstGeom prst="rect">
             <a:avLst/>
@@ -3702,8 +4139,12 @@
           <a:lstStyle/>
           <a:p>
             <a:r>
+              <a:rPr lang="en-US" altLang="ko-KR" sz="1600" dirty="0"/>
+              <a:t>p</a:t>
+            </a:r>
+            <a:r>
               <a:rPr lang="en-US" altLang="ko-KR" sz="1600" dirty="0" smtClean="0"/>
-              <a:t>push</a:t>
+              <a:t>ush/merge</a:t>
             </a:r>
             <a:endParaRPr lang="ko-KR" altLang="en-US" sz="1600" dirty="0"/>
           </a:p>
@@ -3752,7 +4193,7 @@
         </p:nvCxnSpPr>
         <p:spPr>
           <a:xfrm rot="5400000">
-            <a:off x="2571736" y="4000504"/>
+            <a:off x="2720209" y="4022907"/>
             <a:ext cx="4715702" cy="794"/>
           </a:xfrm>
           <a:prstGeom prst="line">
@@ -4008,8 +4449,8 @@
         </p:nvCxnSpPr>
         <p:spPr>
           <a:xfrm>
-            <a:off x="6572264" y="4643446"/>
-            <a:ext cx="785818" cy="1588"/>
+            <a:off x="6561920" y="4579456"/>
+            <a:ext cx="664639" cy="5665"/>
           </a:xfrm>
           <a:prstGeom prst="straightConnector1">
             <a:avLst/>
@@ -4042,7 +4483,7 @@
           <p:nvPr/>
         </p:nvPicPr>
         <p:blipFill>
-          <a:blip r:embed="rId4"/>
+          <a:blip r:embed="rId5"/>
           <a:srcRect/>
           <a:stretch>
             <a:fillRect/>
@@ -4082,7 +4523,7 @@
             <p:nvPr/>
           </p:nvPicPr>
           <p:blipFill>
-            <a:blip r:embed="rId9" cstate="print"/>
+            <a:blip r:embed="rId10" cstate="print"/>
             <a:srcRect/>
             <a:stretch>
               <a:fillRect/>
@@ -4138,7 +4579,7 @@
           <p:nvPr/>
         </p:nvPicPr>
         <p:blipFill>
-          <a:blip r:embed="rId10" cstate="print"/>
+          <a:blip r:embed="rId11" cstate="print"/>
           <a:srcRect/>
           <a:stretch>
             <a:fillRect/>
@@ -4192,7 +4633,7 @@
         </p:nvSpPr>
         <p:spPr>
           <a:xfrm>
-            <a:off x="5286380" y="1857364"/>
+            <a:off x="5187962" y="1709958"/>
             <a:ext cx="1420582" cy="369332"/>
           </a:xfrm>
           <a:prstGeom prst="rect">
@@ -4222,7 +4663,7 @@
         </p:nvCxnSpPr>
         <p:spPr>
           <a:xfrm rot="5400000">
-            <a:off x="4643438" y="4000504"/>
+            <a:off x="4432195" y="4022907"/>
             <a:ext cx="4715702" cy="794"/>
           </a:xfrm>
           <a:prstGeom prst="line">
@@ -4257,7 +4698,7 @@
         </p:nvGrpSpPr>
         <p:grpSpPr>
           <a:xfrm>
-            <a:off x="5429254" y="4429134"/>
+            <a:off x="5392884" y="4187599"/>
             <a:ext cx="1169036" cy="1611905"/>
             <a:chOff x="5857883" y="4572008"/>
             <a:chExt cx="894163" cy="1345317"/>
@@ -4272,7 +4713,7 @@
             <p:nvPr/>
           </p:nvPicPr>
           <p:blipFill>
-            <a:blip r:embed="rId11" cstate="print"/>
+            <a:blip r:embed="rId12" cstate="print"/>
             <a:srcRect/>
             <a:stretch>
               <a:fillRect/>
@@ -4326,48 +4767,22 @@
           </p:txBody>
         </p:sp>
       </p:grpSp>
-      <p:pic>
-        <p:nvPicPr>
-          <p:cNvPr id="55" name="Picture 4" descr="docker png 이미지 검색결과&quot;"/>
-          <p:cNvPicPr>
-            <a:picLocks noChangeAspect="1" noChangeArrowheads="1"/>
-          </p:cNvPicPr>
+      <p:sp>
+        <p:nvSpPr>
+          <p:cNvPr id="58" name="TextBox 57"/>
+          <p:cNvSpPr txBox="1"/>
           <p:nvPr/>
-        </p:nvPicPr>
-        <p:blipFill>
-          <a:blip r:embed="rId10" cstate="print"/>
-          <a:srcRect/>
-          <a:stretch>
-            <a:fillRect/>
-          </a:stretch>
-        </p:blipFill>
-        <p:spPr bwMode="auto">
-          <a:xfrm>
-            <a:off x="7655888" y="4572008"/>
-            <a:ext cx="702326" cy="600926"/>
+        </p:nvSpPr>
+        <p:spPr>
+          <a:xfrm>
+            <a:off x="7487497" y="4393428"/>
+            <a:ext cx="1263487" cy="338554"/>
           </a:xfrm>
           <a:prstGeom prst="rect">
             <a:avLst/>
           </a:prstGeom>
           <a:noFill/>
         </p:spPr>
-      </p:pic>
-      <p:sp>
-        <p:nvSpPr>
-          <p:cNvPr id="58" name="TextBox 57"/>
-          <p:cNvSpPr txBox="1"/>
-          <p:nvPr/>
-        </p:nvSpPr>
-        <p:spPr>
-          <a:xfrm>
-            <a:off x="7358082" y="4214818"/>
-            <a:ext cx="1175322" cy="338554"/>
-          </a:xfrm>
-          <a:prstGeom prst="rect">
-            <a:avLst/>
-          </a:prstGeom>
-          <a:noFill/>
-        </p:spPr>
         <p:txBody>
           <a:bodyPr wrap="none" rtlCol="0">
             <a:spAutoFit/>
@@ -4376,8 +4791,13 @@
           <a:p>
             <a:r>
               <a:rPr lang="en-US" altLang="ko-KR" sz="1600" dirty="0" smtClean="0"/>
-              <a:t>pull image</a:t>
-            </a:r>
+              <a:t>pull </a:t>
+            </a:r>
+            <a:r>
+              <a:rPr lang="en-US" altLang="ko-KR" sz="1600" dirty="0" smtClean="0"/>
+              <a:t>images</a:t>
+            </a:r>
+            <a:endParaRPr lang="en-US" altLang="ko-KR" sz="1600" dirty="0" smtClean="0"/>
           </a:p>
         </p:txBody>
       </p:sp>
@@ -4455,8 +4875,8 @@
         </p:nvSpPr>
         <p:spPr>
           <a:xfrm>
-            <a:off x="7286644" y="5214950"/>
-            <a:ext cx="1436612" cy="338554"/>
+            <a:off x="7286644" y="5363766"/>
+            <a:ext cx="1526252" cy="338554"/>
           </a:xfrm>
           <a:prstGeom prst="rect">
             <a:avLst/>
@@ -4471,8 +4891,13 @@
           <a:p>
             <a:r>
               <a:rPr lang="en-US" altLang="ko-KR" sz="1600" dirty="0" smtClean="0"/>
-              <a:t>run container</a:t>
-            </a:r>
+              <a:t>run </a:t>
+            </a:r>
+            <a:r>
+              <a:rPr lang="en-US" altLang="ko-KR" sz="1600" dirty="0" smtClean="0"/>
+              <a:t>containers</a:t>
+            </a:r>
+            <a:endParaRPr lang="en-US" altLang="ko-KR" sz="1600" dirty="0" smtClean="0"/>
           </a:p>
         </p:txBody>
       </p:sp>
@@ -4484,7 +4909,7 @@
         </p:nvCxnSpPr>
         <p:spPr>
           <a:xfrm rot="5400000">
-            <a:off x="7894263" y="5678901"/>
+            <a:off x="7857974" y="5838905"/>
             <a:ext cx="214316" cy="795"/>
           </a:xfrm>
           <a:prstGeom prst="straightConnector1">
@@ -4717,7 +5142,7 @@
         </p:nvSpPr>
         <p:spPr>
           <a:xfrm>
-            <a:off x="7143768" y="4286256"/>
+            <a:off x="7273183" y="4464866"/>
             <a:ext cx="285752" cy="285752"/>
           </a:xfrm>
           <a:prstGeom prst="ellipse">
@@ -4767,7 +5192,7 @@
         </p:nvSpPr>
         <p:spPr>
           <a:xfrm>
-            <a:off x="7072330" y="5286388"/>
+            <a:off x="7072330" y="5435204"/>
             <a:ext cx="285752" cy="285752"/>
           </a:xfrm>
           <a:prstGeom prst="ellipse">
@@ -4881,7 +5306,7 @@
           <p:nvPr/>
         </p:nvPicPr>
         <p:blipFill>
-          <a:blip r:embed="rId12" cstate="print">
+          <a:blip r:embed="rId13" cstate="print">
             <a:extLst>
               <a:ext uri="{28A0092B-C50C-407E-A947-70E740481C1C}">
                 <a14:useLocalDpi xmlns:a14="http://schemas.microsoft.com/office/drawing/2010/main" val="0"/>
@@ -4895,8 +5320,90 @@
         </p:blipFill>
         <p:spPr bwMode="auto">
           <a:xfrm>
-            <a:off x="5254696" y="2355145"/>
+            <a:off x="5140753" y="2364249"/>
             <a:ext cx="1577138" cy="661796"/>
+          </a:xfrm>
+          <a:prstGeom prst="rect">
+            <a:avLst/>
+          </a:prstGeom>
+          <a:noFill/>
+          <a:extLst>
+            <a:ext uri="{909E8E84-426E-40DD-AFC4-6F175D3DCCD1}">
+              <a14:hiddenFill xmlns:a14="http://schemas.microsoft.com/office/drawing/2010/main">
+                <a:solidFill>
+                  <a:srgbClr val="FFFFFF"/>
+                </a:solidFill>
+              </a14:hiddenFill>
+            </a:ext>
+          </a:extLst>
+        </p:spPr>
+      </p:pic>
+      <p:pic>
+        <p:nvPicPr>
+          <p:cNvPr id="3" name="Picture 2" descr="https://img1.daumcdn.net/thumb/R1280x0/?scode=mtistory2&amp;fname=https%3A%2F%2Fblog.kakaocdn.net%2Fdn%2FdEfWzS%2FbtreoutnnPq%2Fvi6jDSNoWK8SgKmFfCDKh1%2Fimg.png"/>
+          <p:cNvPicPr>
+            <a:picLocks noChangeAspect="1" noChangeArrowheads="1"/>
+          </p:cNvPicPr>
+          <p:nvPr/>
+        </p:nvPicPr>
+        <p:blipFill>
+          <a:blip r:embed="rId14" cstate="print">
+            <a:extLst>
+              <a:ext uri="{28A0092B-C50C-407E-A947-70E740481C1C}">
+                <a14:useLocalDpi xmlns:a14="http://schemas.microsoft.com/office/drawing/2010/main" val="0"/>
+              </a:ext>
+            </a:extLst>
+          </a:blip>
+          <a:srcRect/>
+          <a:stretch>
+            <a:fillRect/>
+          </a:stretch>
+        </p:blipFill>
+        <p:spPr bwMode="auto">
+          <a:xfrm>
+            <a:off x="7294922" y="4859394"/>
+            <a:ext cx="1259083" cy="503633"/>
+          </a:xfrm>
+          <a:prstGeom prst="rect">
+            <a:avLst/>
+          </a:prstGeom>
+          <a:noFill/>
+          <a:extLst>
+            <a:ext uri="{909E8E84-426E-40DD-AFC4-6F175D3DCCD1}">
+              <a14:hiddenFill xmlns:a14="http://schemas.microsoft.com/office/drawing/2010/main">
+                <a:solidFill>
+                  <a:srgbClr val="FFFFFF"/>
+                </a:solidFill>
+              </a14:hiddenFill>
+            </a:ext>
+          </a:extLst>
+        </p:spPr>
+      </p:pic>
+      <p:pic>
+        <p:nvPicPr>
+          <p:cNvPr id="6" name="Picture 4" descr="redis original wordmark&quot; Icon - Download for free – Iconduck"/>
+          <p:cNvPicPr>
+            <a:picLocks noChangeAspect="1" noChangeArrowheads="1"/>
+          </p:cNvPicPr>
+          <p:nvPr/>
+        </p:nvPicPr>
+        <p:blipFill>
+          <a:blip r:embed="rId15" cstate="print">
+            <a:extLst>
+              <a:ext uri="{28A0092B-C50C-407E-A947-70E740481C1C}">
+                <a14:useLocalDpi xmlns:a14="http://schemas.microsoft.com/office/drawing/2010/main" val="0"/>
+              </a:ext>
+            </a:extLst>
+          </a:blip>
+          <a:srcRect/>
+          <a:stretch>
+            <a:fillRect/>
+          </a:stretch>
+        </p:blipFill>
+        <p:spPr bwMode="auto">
+          <a:xfrm>
+            <a:off x="8173192" y="5972205"/>
+            <a:ext cx="558996" cy="559816"/>
           </a:xfrm>
           <a:prstGeom prst="rect">
             <a:avLst/>
@@ -5202,4 +5709,265 @@
   <a:objectDefaults/>
   <a:extraClrSchemeLst/>
 </a:theme>
+</file>
+
+<file path=ppt/theme/theme2.xml><?xml version="1.0" encoding="utf-8"?>
+<a:theme xmlns:a="http://schemas.openxmlformats.org/drawingml/2006/main" name="Office 테마">
+  <a:themeElements>
+    <a:clrScheme name="Office">
+      <a:dk1>
+        <a:sysClr val="windowText" lastClr="000000"/>
+      </a:dk1>
+      <a:lt1>
+        <a:sysClr val="window" lastClr="FFFFFF"/>
+      </a:lt1>
+      <a:dk2>
+        <a:srgbClr val="44546A"/>
+      </a:dk2>
+      <a:lt2>
+        <a:srgbClr val="E7E6E6"/>
+      </a:lt2>
+      <a:accent1>
+        <a:srgbClr val="5B9BD5"/>
+      </a:accent1>
+      <a:accent2>
+        <a:srgbClr val="ED7D31"/>
+      </a:accent2>
+      <a:accent3>
+        <a:srgbClr val="A5A5A5"/>
+      </a:accent3>
+      <a:accent4>
+        <a:srgbClr val="FFC000"/>
+      </a:accent4>
+      <a:accent5>
+        <a:srgbClr val="4472C4"/>
+      </a:accent5>
+      <a:accent6>
+        <a:srgbClr val="70AD47"/>
+      </a:accent6>
+      <a:hlink>
+        <a:srgbClr val="0563C1"/>
+      </a:hlink>
+      <a:folHlink>
+        <a:srgbClr val="954F72"/>
+      </a:folHlink>
+    </a:clrScheme>
+    <a:fontScheme name="Office">
+      <a:majorFont>
+        <a:latin typeface="맑은 고딕" panose="020F0302020204030204"/>
+        <a:ea typeface=""/>
+        <a:cs typeface=""/>
+        <a:font script="Jpan" typeface="游ゴシック Light"/>
+        <a:font script="Hang" typeface="맑은 고딕"/>
+        <a:font script="Hans" typeface="等线 Light"/>
+        <a:font script="Hant" typeface="新細明體"/>
+        <a:font script="Arab" typeface="Times New Roman"/>
+        <a:font script="Hebr" typeface="Times New Roman"/>
+        <a:font script="Thai" typeface="Angsana New"/>
+        <a:font script="Ethi" typeface="Nyala"/>
+        <a:font script="Beng" typeface="Vrinda"/>
+        <a:font script="Gujr" typeface="Shruti"/>
+        <a:font script="Khmr" typeface="MoolBoran"/>
+        <a:font script="Knda" typeface="Tunga"/>
+        <a:font script="Guru" typeface="Raavi"/>
+        <a:font script="Cans" typeface="Euphemia"/>
+        <a:font script="Cher" typeface="Plantagenet Cherokee"/>
+        <a:font script="Yiii" typeface="Microsoft Yi Baiti"/>
+        <a:font script="Tibt" typeface="Microsoft Himalaya"/>
+        <a:font script="Thaa" typeface="MV Boli"/>
+        <a:font script="Deva" typeface="Mangal"/>
+        <a:font script="Telu" typeface="Gautami"/>
+        <a:font script="Taml" typeface="Latha"/>
+        <a:font script="Syrc" typeface="Estrangelo Edessa"/>
+        <a:font script="Orya" typeface="Kalinga"/>
+        <a:font script="Mlym" typeface="Kartika"/>
+        <a:font script="Laoo" typeface="DokChampa"/>
+        <a:font script="Sinh" typeface="Iskoola Pota"/>
+        <a:font script="Mong" typeface="Mongolian Baiti"/>
+        <a:font script="Viet" typeface="Times New Roman"/>
+        <a:font script="Uigh" typeface="Microsoft Uighur"/>
+        <a:font script="Geor" typeface="Sylfaen"/>
+      </a:majorFont>
+      <a:minorFont>
+        <a:latin typeface="맑은 고딕" panose="020F0502020204030204"/>
+        <a:ea typeface=""/>
+        <a:cs typeface=""/>
+        <a:font script="Jpan" typeface="游ゴシック"/>
+        <a:font script="Hang" typeface="맑은 고딕"/>
+        <a:font script="Hans" typeface="等线"/>
+        <a:font script="Hant" typeface="新細明體"/>
+        <a:font script="Arab" typeface="Arial"/>
+        <a:font script="Hebr" typeface="Arial"/>
+        <a:font script="Thai" typeface="Cordia New"/>
+        <a:font script="Ethi" typeface="Nyala"/>
+        <a:font script="Beng" typeface="Vrinda"/>
+        <a:font script="Gujr" typeface="Shruti"/>
+        <a:font script="Khmr" typeface="DaunPenh"/>
+        <a:font script="Knda" typeface="Tunga"/>
+        <a:font script="Guru" typeface="Raavi"/>
+        <a:font script="Cans" typeface="Euphemia"/>
+        <a:font script="Cher" typeface="Plantagenet Cherokee"/>
+        <a:font script="Yiii" typeface="Microsoft Yi Baiti"/>
+        <a:font script="Tibt" typeface="Microsoft Himalaya"/>
+        <a:font script="Thaa" typeface="MV Boli"/>
+        <a:font script="Deva" typeface="Mangal"/>
+        <a:font script="Telu" typeface="Gautami"/>
+        <a:font script="Taml" typeface="Latha"/>
+        <a:font script="Syrc" typeface="Estrangelo Edessa"/>
+        <a:font script="Orya" typeface="Kalinga"/>
+        <a:font script="Mlym" typeface="Kartika"/>
+        <a:font script="Laoo" typeface="DokChampa"/>
+        <a:font script="Sinh" typeface="Iskoola Pota"/>
+        <a:font script="Mong" typeface="Mongolian Baiti"/>
+        <a:font script="Viet" typeface="Arial"/>
+        <a:font script="Uigh" typeface="Microsoft Uighur"/>
+        <a:font script="Geor" typeface="Sylfaen"/>
+      </a:minorFont>
+    </a:fontScheme>
+    <a:fmtScheme name="Office">
+      <a:fillStyleLst>
+        <a:solidFill>
+          <a:schemeClr val="phClr"/>
+        </a:solidFill>
+        <a:gradFill rotWithShape="1">
+          <a:gsLst>
+            <a:gs pos="0">
+              <a:schemeClr val="phClr">
+                <a:lumMod val="110000"/>
+                <a:satMod val="105000"/>
+                <a:tint val="67000"/>
+              </a:schemeClr>
+            </a:gs>
+            <a:gs pos="50000">
+              <a:schemeClr val="phClr">
+                <a:lumMod val="105000"/>
+                <a:satMod val="103000"/>
+                <a:tint val="73000"/>
+              </a:schemeClr>
+            </a:gs>
+            <a:gs pos="100000">
+              <a:schemeClr val="phClr">
+                <a:lumMod val="105000"/>
+                <a:satMod val="109000"/>
+                <a:tint val="81000"/>
+              </a:schemeClr>
+            </a:gs>
+          </a:gsLst>
+          <a:lin ang="5400000" scaled="0"/>
+        </a:gradFill>
+        <a:gradFill rotWithShape="1">
+          <a:gsLst>
+            <a:gs pos="0">
+              <a:schemeClr val="phClr">
+                <a:satMod val="103000"/>
+                <a:lumMod val="102000"/>
+                <a:tint val="94000"/>
+              </a:schemeClr>
+            </a:gs>
+            <a:gs pos="50000">
+              <a:schemeClr val="phClr">
+                <a:satMod val="110000"/>
+                <a:lumMod val="100000"/>
+                <a:shade val="100000"/>
+              </a:schemeClr>
+            </a:gs>
+            <a:gs pos="100000">
+              <a:schemeClr val="phClr">
+                <a:lumMod val="99000"/>
+                <a:satMod val="120000"/>
+                <a:shade val="78000"/>
+              </a:schemeClr>
+            </a:gs>
+          </a:gsLst>
+          <a:lin ang="5400000" scaled="0"/>
+        </a:gradFill>
+      </a:fillStyleLst>
+      <a:lnStyleLst>
+        <a:ln w="6350" cap="flat" cmpd="sng" algn="ctr">
+          <a:solidFill>
+            <a:schemeClr val="phClr"/>
+          </a:solidFill>
+          <a:prstDash val="solid"/>
+          <a:miter lim="800000"/>
+        </a:ln>
+        <a:ln w="12700" cap="flat" cmpd="sng" algn="ctr">
+          <a:solidFill>
+            <a:schemeClr val="phClr"/>
+          </a:solidFill>
+          <a:prstDash val="solid"/>
+          <a:miter lim="800000"/>
+        </a:ln>
+        <a:ln w="19050" cap="flat" cmpd="sng" algn="ctr">
+          <a:solidFill>
+            <a:schemeClr val="phClr"/>
+          </a:solidFill>
+          <a:prstDash val="solid"/>
+          <a:miter lim="800000"/>
+        </a:ln>
+      </a:lnStyleLst>
+      <a:effectStyleLst>
+        <a:effectStyle>
+          <a:effectLst/>
+        </a:effectStyle>
+        <a:effectStyle>
+          <a:effectLst/>
+        </a:effectStyle>
+        <a:effectStyle>
+          <a:effectLst>
+            <a:outerShdw blurRad="57150" dist="19050" dir="5400000" algn="ctr" rotWithShape="0">
+              <a:srgbClr val="000000">
+                <a:alpha val="63000"/>
+              </a:srgbClr>
+            </a:outerShdw>
+          </a:effectLst>
+        </a:effectStyle>
+      </a:effectStyleLst>
+      <a:bgFillStyleLst>
+        <a:solidFill>
+          <a:schemeClr val="phClr"/>
+        </a:solidFill>
+        <a:solidFill>
+          <a:schemeClr val="phClr">
+            <a:tint val="95000"/>
+            <a:satMod val="170000"/>
+          </a:schemeClr>
+        </a:solidFill>
+        <a:gradFill rotWithShape="1">
+          <a:gsLst>
+            <a:gs pos="0">
+              <a:schemeClr val="phClr">
+                <a:tint val="93000"/>
+                <a:satMod val="150000"/>
+                <a:shade val="98000"/>
+                <a:lumMod val="102000"/>
+              </a:schemeClr>
+            </a:gs>
+            <a:gs pos="50000">
+              <a:schemeClr val="phClr">
+                <a:tint val="98000"/>
+                <a:satMod val="130000"/>
+                <a:shade val="90000"/>
+                <a:lumMod val="103000"/>
+              </a:schemeClr>
+            </a:gs>
+            <a:gs pos="100000">
+              <a:schemeClr val="phClr">
+                <a:shade val="63000"/>
+                <a:satMod val="120000"/>
+              </a:schemeClr>
+            </a:gs>
+          </a:gsLst>
+          <a:lin ang="5400000" scaled="0"/>
+        </a:gradFill>
+      </a:bgFillStyleLst>
+    </a:fmtScheme>
+  </a:themeElements>
+  <a:objectDefaults/>
+  <a:extraClrSchemeLst/>
+  <a:extLst>
+    <a:ext uri="{05A4C25C-085E-4340-85A3-A5531E510DB2}">
+      <thm15:themeFamily xmlns:thm15="http://schemas.microsoft.com/office/thememl/2012/main" name="Office Theme" id="{62F939B6-93AF-4DB8-9C6B-D6C7DFDC589F}" vid="{4A3C46E8-61CC-4603-A589-7422A47A8E4A}"/>
+    </a:ext>
+  </a:extLst>
+</a:theme>
 </file>